--- a/First_Presentation.pptx
+++ b/First_Presentation.pptx
@@ -17,7 +17,7 @@
     <p:sldId id="265" r:id="rId5"/>
     <p:sldId id="270" r:id="rId6"/>
     <p:sldId id="268" r:id="rId7"/>
-    <p:sldId id="262" r:id="rId8"/>
+    <p:sldId id="271" r:id="rId8"/>
   </p:sldIdLst>
   <p:sldSz cx="9144000" cy="5143500" type="screen16x9"/>
   <p:notesSz cx="6858000" cy="9144000"/>
@@ -10437,8 +10437,8 @@
         </p:nvSpPr>
         <p:spPr>
           <a:xfrm>
-            <a:off x="396000" y="1360800"/>
-            <a:ext cx="2160000" cy="291600"/>
+            <a:off x="395999" y="1360800"/>
+            <a:ext cx="3762827" cy="291600"/>
           </a:xfrm>
           <a:prstGeom prst="rect">
             <a:avLst/>
@@ -10610,6 +10610,54 @@
                 </a:solidFill>
               </a:rPr>
               <a:t>you</a:t>
+            </a:r>
+            <a:r>
+              <a:rPr lang="de-DE" sz="2000" b="1" dirty="0">
+                <a:solidFill>
+                  <a:schemeClr val="tx1"/>
+                </a:solidFill>
+              </a:rPr>
+              <a:t> </a:t>
+            </a:r>
+            <a:r>
+              <a:rPr lang="de-DE" sz="2000" b="1" dirty="0" err="1">
+                <a:solidFill>
+                  <a:schemeClr val="tx1"/>
+                </a:solidFill>
+              </a:rPr>
+              <a:t>for</a:t>
+            </a:r>
+            <a:r>
+              <a:rPr lang="de-DE" sz="2000" b="1" dirty="0">
+                <a:solidFill>
+                  <a:schemeClr val="tx1"/>
+                </a:solidFill>
+              </a:rPr>
+              <a:t> </a:t>
+            </a:r>
+            <a:r>
+              <a:rPr lang="de-DE" sz="2000" b="1" dirty="0" err="1">
+                <a:solidFill>
+                  <a:schemeClr val="tx1"/>
+                </a:solidFill>
+              </a:rPr>
+              <a:t>your</a:t>
+            </a:r>
+            <a:r>
+              <a:rPr lang="de-DE" sz="2000" b="1" dirty="0">
+                <a:solidFill>
+                  <a:schemeClr val="tx1"/>
+                </a:solidFill>
+              </a:rPr>
+              <a:t> </a:t>
+            </a:r>
+            <a:r>
+              <a:rPr lang="de-DE" sz="2000" b="1" dirty="0" err="1">
+                <a:solidFill>
+                  <a:schemeClr val="tx1"/>
+                </a:solidFill>
+              </a:rPr>
+              <a:t>attention</a:t>
             </a:r>
             <a:r>
               <a:rPr lang="de-DE" sz="2000" b="1" dirty="0">
@@ -16289,50 +16337,12 @@
           </a:p>
         </p:txBody>
       </p:sp>
-      <p:pic>
-        <p:nvPicPr>
-          <p:cNvPr id="9" name="Picture 9">
-            <a:extLst>
-              <a:ext uri="{FF2B5EF4-FFF2-40B4-BE49-F238E27FC236}">
-                <a16:creationId xmlns:a16="http://schemas.microsoft.com/office/drawing/2014/main" id="{9E81AD3B-161A-4208-A3A0-C2CD3DA06916}"/>
-              </a:ext>
-            </a:extLst>
-          </p:cNvPr>
-          <p:cNvPicPr/>
-          <p:nvPr/>
-        </p:nvPicPr>
-        <p:blipFill>
-          <a:blip r:embed="rId2" cstate="print">
-            <a:extLst>
-              <a:ext uri="{28A0092B-C50C-407E-A947-70E740481C1C}">
-                <a14:useLocalDpi xmlns:a14="http://schemas.microsoft.com/office/drawing/2010/main" val="0"/>
-              </a:ext>
-            </a:extLst>
-          </a:blip>
-          <a:stretch>
-            <a:fillRect/>
-          </a:stretch>
-        </p:blipFill>
-        <p:spPr bwMode="auto">
-          <a:xfrm>
-            <a:off x="5380387" y="1000534"/>
-            <a:ext cx="3108613" cy="1725566"/>
-          </a:xfrm>
-          <a:prstGeom prst="rect">
-            <a:avLst/>
-          </a:prstGeom>
-          <a:noFill/>
-          <a:ln>
-            <a:noFill/>
-          </a:ln>
-        </p:spPr>
-      </p:pic>
       <p:grpSp>
         <p:nvGrpSpPr>
-          <p:cNvPr id="14" name="Gruppieren 13">
-            <a:extLst>
-              <a:ext uri="{FF2B5EF4-FFF2-40B4-BE49-F238E27FC236}">
-                <a16:creationId xmlns:a16="http://schemas.microsoft.com/office/drawing/2014/main" id="{511486A4-CBBF-4A59-B135-535A02AD7532}"/>
+          <p:cNvPr id="12" name="Gruppieren 11">
+            <a:extLst>
+              <a:ext uri="{FF2B5EF4-FFF2-40B4-BE49-F238E27FC236}">
+                <a16:creationId xmlns:a16="http://schemas.microsoft.com/office/drawing/2014/main" id="{D50FCA43-2179-4561-8F9B-86ADA6C3A52A}"/>
               </a:ext>
             </a:extLst>
           </p:cNvPr>
@@ -16341,197 +16351,277 @@
         </p:nvGrpSpPr>
         <p:grpSpPr>
           <a:xfrm>
-            <a:off x="5245419" y="2053389"/>
-            <a:ext cx="3378547" cy="2660995"/>
-            <a:chOff x="5245419" y="2053389"/>
-            <a:chExt cx="3378547" cy="2660995"/>
+            <a:off x="5245419" y="1000534"/>
+            <a:ext cx="3378547" cy="3713850"/>
+            <a:chOff x="5245419" y="1000534"/>
+            <a:chExt cx="3378547" cy="3713850"/>
           </a:xfrm>
         </p:grpSpPr>
         <p:pic>
           <p:nvPicPr>
-            <p:cNvPr id="1026" name="Picture 2" descr="KB07_FC_middle_mitrRahmen_dpi200300">
+            <p:cNvPr id="9" name="Picture 9">
               <a:extLst>
                 <a:ext uri="{FF2B5EF4-FFF2-40B4-BE49-F238E27FC236}">
-                  <a16:creationId xmlns:a16="http://schemas.microsoft.com/office/drawing/2014/main" id="{E4F83D4F-924D-44E8-A451-F923C8467062}"/>
+                  <a16:creationId xmlns:a16="http://schemas.microsoft.com/office/drawing/2014/main" id="{9E81AD3B-161A-4208-A3A0-C2CD3DA06916}"/>
                 </a:ext>
               </a:extLst>
             </p:cNvPr>
-            <p:cNvPicPr>
-              <a:picLocks noChangeAspect="1" noChangeArrowheads="1"/>
-            </p:cNvPicPr>
+            <p:cNvPicPr/>
             <p:nvPr/>
           </p:nvPicPr>
           <p:blipFill>
-            <a:blip r:embed="rId3">
+            <a:blip r:embed="rId2" cstate="print">
               <a:extLst>
                 <a:ext uri="{28A0092B-C50C-407E-A947-70E740481C1C}">
                   <a14:useLocalDpi xmlns:a14="http://schemas.microsoft.com/office/drawing/2010/main" val="0"/>
                 </a:ext>
               </a:extLst>
             </a:blip>
-            <a:srcRect/>
             <a:stretch>
               <a:fillRect/>
             </a:stretch>
           </p:blipFill>
           <p:spPr bwMode="auto">
             <a:xfrm>
-              <a:off x="5245419" y="2734242"/>
-              <a:ext cx="3378547" cy="1980142"/>
+              <a:off x="5380387" y="1000534"/>
+              <a:ext cx="3108613" cy="1725566"/>
             </a:xfrm>
             <a:prstGeom prst="rect">
               <a:avLst/>
             </a:prstGeom>
             <a:noFill/>
-            <a:ln w="9525">
-              <a:solidFill>
-                <a:srgbClr val="000000"/>
-              </a:solidFill>
-              <a:miter lim="800000"/>
-              <a:headEnd/>
-              <a:tailEnd/>
+            <a:ln>
+              <a:noFill/>
             </a:ln>
-            <a:extLst>
-              <a:ext uri="{909E8E84-426E-40DD-AFC4-6F175D3DCCD1}">
-                <a14:hiddenFill xmlns:a14="http://schemas.microsoft.com/office/drawing/2010/main">
-                  <a:solidFill>
-                    <a:srgbClr val="FFFFFF"/>
-                  </a:solidFill>
-                </a14:hiddenFill>
-              </a:ext>
-            </a:extLst>
           </p:spPr>
         </p:pic>
-        <p:sp>
-          <p:nvSpPr>
-            <p:cNvPr id="5" name="Rechteck 4">
+        <p:grpSp>
+          <p:nvGrpSpPr>
+            <p:cNvPr id="10" name="Gruppieren 9">
               <a:extLst>
                 <a:ext uri="{FF2B5EF4-FFF2-40B4-BE49-F238E27FC236}">
-                  <a16:creationId xmlns:a16="http://schemas.microsoft.com/office/drawing/2014/main" id="{1D1A0F27-5480-47CF-A342-925ED41345A3}"/>
+                  <a16:creationId xmlns:a16="http://schemas.microsoft.com/office/drawing/2014/main" id="{2FF57DDA-9B98-48A6-976A-DDF99CB57AE3}"/>
                 </a:ext>
               </a:extLst>
             </p:cNvPr>
-            <p:cNvSpPr/>
+            <p:cNvGrpSpPr/>
             <p:nvPr/>
-          </p:nvSpPr>
-          <p:spPr>
+          </p:nvGrpSpPr>
+          <p:grpSpPr>
             <a:xfrm>
-              <a:off x="6984021" y="2057198"/>
-              <a:ext cx="382334" cy="299140"/>
+              <a:off x="5245419" y="2053389"/>
+              <a:ext cx="3378547" cy="2660995"/>
+              <a:chOff x="5245419" y="2053389"/>
+              <a:chExt cx="3378547" cy="2660995"/>
             </a:xfrm>
-            <a:prstGeom prst="rect">
-              <a:avLst/>
-            </a:prstGeom>
-            <a:noFill/>
-            <a:ln w="19050">
-              <a:solidFill>
-                <a:schemeClr val="tx2"/>
-              </a:solidFill>
-            </a:ln>
-          </p:spPr>
-          <p:style>
-            <a:lnRef idx="2">
-              <a:schemeClr val="accent1">
-                <a:shade val="50000"/>
-              </a:schemeClr>
-            </a:lnRef>
-            <a:fillRef idx="1">
-              <a:schemeClr val="accent1"/>
-            </a:fillRef>
-            <a:effectRef idx="0">
-              <a:schemeClr val="accent1"/>
-            </a:effectRef>
-            <a:fontRef idx="minor">
-              <a:schemeClr val="lt1"/>
-            </a:fontRef>
-          </p:style>
-          <p:txBody>
-            <a:bodyPr rtlCol="0" anchor="ctr"/>
-            <a:lstStyle/>
-            <a:p>
-              <a:pPr algn="ctr"/>
-              <a:endParaRPr lang="en-US" sz="1600" dirty="0"/>
-            </a:p>
-          </p:txBody>
-        </p:sp>
-        <p:cxnSp>
-          <p:nvCxnSpPr>
-            <p:cNvPr id="11" name="Gerader Verbinder 10">
-              <a:extLst>
-                <a:ext uri="{FF2B5EF4-FFF2-40B4-BE49-F238E27FC236}">
-                  <a16:creationId xmlns:a16="http://schemas.microsoft.com/office/drawing/2014/main" id="{B119BF5A-C9A6-4883-9733-9D695951D78A}"/>
-                </a:ext>
-              </a:extLst>
-            </p:cNvPr>
-            <p:cNvCxnSpPr/>
-            <p:nvPr/>
-          </p:nvCxnSpPr>
-          <p:spPr>
-            <a:xfrm flipH="1">
-              <a:off x="5245419" y="2053389"/>
-              <a:ext cx="1736907" cy="680853"/>
-            </a:xfrm>
-            <a:prstGeom prst="line">
-              <a:avLst/>
-            </a:prstGeom>
-            <a:ln/>
-          </p:spPr>
-          <p:style>
-            <a:lnRef idx="1">
-              <a:schemeClr val="dk1"/>
-            </a:lnRef>
-            <a:fillRef idx="0">
-              <a:schemeClr val="dk1"/>
-            </a:fillRef>
-            <a:effectRef idx="0">
-              <a:schemeClr val="dk1"/>
-            </a:effectRef>
-            <a:fontRef idx="minor">
-              <a:schemeClr val="tx1"/>
-            </a:fontRef>
-          </p:style>
-        </p:cxnSp>
-        <p:cxnSp>
-          <p:nvCxnSpPr>
-            <p:cNvPr id="13" name="Gerader Verbinder 12">
-              <a:extLst>
-                <a:ext uri="{FF2B5EF4-FFF2-40B4-BE49-F238E27FC236}">
-                  <a16:creationId xmlns:a16="http://schemas.microsoft.com/office/drawing/2014/main" id="{1CAA1083-DD4C-42B4-9E40-59F01DD5CFFA}"/>
-                </a:ext>
-              </a:extLst>
-            </p:cNvPr>
-            <p:cNvCxnSpPr/>
-            <p:nvPr/>
-          </p:nvCxnSpPr>
-          <p:spPr>
-            <a:xfrm>
-              <a:off x="7366355" y="2057198"/>
-              <a:ext cx="1257611" cy="677044"/>
-            </a:xfrm>
-            <a:prstGeom prst="line">
-              <a:avLst/>
-            </a:prstGeom>
-            <a:ln w="12700">
-              <a:solidFill>
-                <a:schemeClr val="tx1"/>
-              </a:solidFill>
-            </a:ln>
-          </p:spPr>
-          <p:style>
-            <a:lnRef idx="1">
-              <a:schemeClr val="accent1"/>
-            </a:lnRef>
-            <a:fillRef idx="0">
-              <a:schemeClr val="accent1"/>
-            </a:fillRef>
-            <a:effectRef idx="0">
-              <a:schemeClr val="accent1"/>
-            </a:effectRef>
-            <a:fontRef idx="minor">
-              <a:schemeClr val="tx1"/>
-            </a:fontRef>
-          </p:style>
-        </p:cxnSp>
+          </p:grpSpPr>
+          <p:sp>
+            <p:nvSpPr>
+              <p:cNvPr id="5" name="Rechteck 4">
+                <a:extLst>
+                  <a:ext uri="{FF2B5EF4-FFF2-40B4-BE49-F238E27FC236}">
+                    <a16:creationId xmlns:a16="http://schemas.microsoft.com/office/drawing/2014/main" id="{1D1A0F27-5480-47CF-A342-925ED41345A3}"/>
+                  </a:ext>
+                </a:extLst>
+              </p:cNvPr>
+              <p:cNvSpPr/>
+              <p:nvPr/>
+            </p:nvSpPr>
+            <p:spPr>
+              <a:xfrm>
+                <a:off x="6984021" y="2057198"/>
+                <a:ext cx="382334" cy="299140"/>
+              </a:xfrm>
+              <a:prstGeom prst="rect">
+                <a:avLst/>
+              </a:prstGeom>
+              <a:noFill/>
+              <a:ln w="19050">
+                <a:solidFill>
+                  <a:schemeClr val="tx2"/>
+                </a:solidFill>
+              </a:ln>
+            </p:spPr>
+            <p:style>
+              <a:lnRef idx="2">
+                <a:schemeClr val="accent1">
+                  <a:shade val="50000"/>
+                </a:schemeClr>
+              </a:lnRef>
+              <a:fillRef idx="1">
+                <a:schemeClr val="accent1"/>
+              </a:fillRef>
+              <a:effectRef idx="0">
+                <a:schemeClr val="accent1"/>
+              </a:effectRef>
+              <a:fontRef idx="minor">
+                <a:schemeClr val="lt1"/>
+              </a:fontRef>
+            </p:style>
+            <p:txBody>
+              <a:bodyPr rtlCol="0" anchor="ctr"/>
+              <a:lstStyle/>
+              <a:p>
+                <a:pPr algn="ctr"/>
+                <a:endParaRPr lang="en-US" sz="1600" dirty="0"/>
+              </a:p>
+            </p:txBody>
+          </p:sp>
+          <p:grpSp>
+            <p:nvGrpSpPr>
+              <p:cNvPr id="8" name="Gruppieren 7">
+                <a:extLst>
+                  <a:ext uri="{FF2B5EF4-FFF2-40B4-BE49-F238E27FC236}">
+                    <a16:creationId xmlns:a16="http://schemas.microsoft.com/office/drawing/2014/main" id="{39DC5056-AB5A-4CB0-8EAF-635CAFB6E58F}"/>
+                  </a:ext>
+                </a:extLst>
+              </p:cNvPr>
+              <p:cNvGrpSpPr/>
+              <p:nvPr/>
+            </p:nvGrpSpPr>
+            <p:grpSpPr>
+              <a:xfrm>
+                <a:off x="5245419" y="2053389"/>
+                <a:ext cx="3378547" cy="2660995"/>
+                <a:chOff x="5245419" y="2053389"/>
+                <a:chExt cx="3378547" cy="2660995"/>
+              </a:xfrm>
+            </p:grpSpPr>
+            <p:pic>
+              <p:nvPicPr>
+                <p:cNvPr id="1026" name="Picture 2" descr="KB07_FC_middle_mitrRahmen_dpi200300">
+                  <a:extLst>
+                    <a:ext uri="{FF2B5EF4-FFF2-40B4-BE49-F238E27FC236}">
+                      <a16:creationId xmlns:a16="http://schemas.microsoft.com/office/drawing/2014/main" id="{E4F83D4F-924D-44E8-A451-F923C8467062}"/>
+                    </a:ext>
+                  </a:extLst>
+                </p:cNvPr>
+                <p:cNvPicPr>
+                  <a:picLocks noChangeAspect="1" noChangeArrowheads="1"/>
+                </p:cNvPicPr>
+                <p:nvPr/>
+              </p:nvPicPr>
+              <p:blipFill>
+                <a:blip r:embed="rId3">
+                  <a:extLst>
+                    <a:ext uri="{28A0092B-C50C-407E-A947-70E740481C1C}">
+                      <a14:useLocalDpi xmlns:a14="http://schemas.microsoft.com/office/drawing/2010/main" val="0"/>
+                    </a:ext>
+                  </a:extLst>
+                </a:blip>
+                <a:srcRect/>
+                <a:stretch>
+                  <a:fillRect/>
+                </a:stretch>
+              </p:blipFill>
+              <p:spPr bwMode="auto">
+                <a:xfrm>
+                  <a:off x="5245419" y="2734242"/>
+                  <a:ext cx="3378547" cy="1980142"/>
+                </a:xfrm>
+                <a:prstGeom prst="rect">
+                  <a:avLst/>
+                </a:prstGeom>
+                <a:noFill/>
+                <a:ln w="9525">
+                  <a:solidFill>
+                    <a:srgbClr val="000000"/>
+                  </a:solidFill>
+                  <a:miter lim="800000"/>
+                  <a:headEnd/>
+                  <a:tailEnd/>
+                </a:ln>
+                <a:extLst>
+                  <a:ext uri="{909E8E84-426E-40DD-AFC4-6F175D3DCCD1}">
+                    <a14:hiddenFill xmlns:a14="http://schemas.microsoft.com/office/drawing/2010/main">
+                      <a:solidFill>
+                        <a:srgbClr val="FFFFFF"/>
+                      </a:solidFill>
+                    </a14:hiddenFill>
+                  </a:ext>
+                </a:extLst>
+              </p:spPr>
+            </p:pic>
+            <p:cxnSp>
+              <p:nvCxnSpPr>
+                <p:cNvPr id="11" name="Gerader Verbinder 10">
+                  <a:extLst>
+                    <a:ext uri="{FF2B5EF4-FFF2-40B4-BE49-F238E27FC236}">
+                      <a16:creationId xmlns:a16="http://schemas.microsoft.com/office/drawing/2014/main" id="{B119BF5A-C9A6-4883-9733-9D695951D78A}"/>
+                    </a:ext>
+                  </a:extLst>
+                </p:cNvPr>
+                <p:cNvCxnSpPr/>
+                <p:nvPr/>
+              </p:nvCxnSpPr>
+              <p:spPr>
+                <a:xfrm flipH="1">
+                  <a:off x="5245419" y="2053389"/>
+                  <a:ext cx="1736907" cy="680853"/>
+                </a:xfrm>
+                <a:prstGeom prst="line">
+                  <a:avLst/>
+                </a:prstGeom>
+                <a:ln/>
+              </p:spPr>
+              <p:style>
+                <a:lnRef idx="1">
+                  <a:schemeClr val="dk1"/>
+                </a:lnRef>
+                <a:fillRef idx="0">
+                  <a:schemeClr val="dk1"/>
+                </a:fillRef>
+                <a:effectRef idx="0">
+                  <a:schemeClr val="dk1"/>
+                </a:effectRef>
+                <a:fontRef idx="minor">
+                  <a:schemeClr val="tx1"/>
+                </a:fontRef>
+              </p:style>
+            </p:cxnSp>
+            <p:cxnSp>
+              <p:nvCxnSpPr>
+                <p:cNvPr id="13" name="Gerader Verbinder 12">
+                  <a:extLst>
+                    <a:ext uri="{FF2B5EF4-FFF2-40B4-BE49-F238E27FC236}">
+                      <a16:creationId xmlns:a16="http://schemas.microsoft.com/office/drawing/2014/main" id="{1CAA1083-DD4C-42B4-9E40-59F01DD5CFFA}"/>
+                    </a:ext>
+                  </a:extLst>
+                </p:cNvPr>
+                <p:cNvCxnSpPr/>
+                <p:nvPr/>
+              </p:nvCxnSpPr>
+              <p:spPr>
+                <a:xfrm>
+                  <a:off x="7366355" y="2057198"/>
+                  <a:ext cx="1257611" cy="677044"/>
+                </a:xfrm>
+                <a:prstGeom prst="line">
+                  <a:avLst/>
+                </a:prstGeom>
+                <a:ln w="12700">
+                  <a:solidFill>
+                    <a:schemeClr val="tx1"/>
+                  </a:solidFill>
+                </a:ln>
+              </p:spPr>
+              <p:style>
+                <a:lnRef idx="1">
+                  <a:schemeClr val="accent1"/>
+                </a:lnRef>
+                <a:fillRef idx="0">
+                  <a:schemeClr val="accent1"/>
+                </a:fillRef>
+                <a:effectRef idx="0">
+                  <a:schemeClr val="accent1"/>
+                </a:effectRef>
+                <a:fontRef idx="minor">
+                  <a:schemeClr val="tx1"/>
+                </a:fontRef>
+              </p:style>
+            </p:cxnSp>
+          </p:grpSp>
+        </p:grpSp>
       </p:grpSp>
     </p:spTree>
     <p:extLst>
@@ -16543,81 +16633,6 @@
   <p:clrMapOvr>
     <a:masterClrMapping/>
   </p:clrMapOvr>
-  <p:timing>
-    <p:tnLst>
-      <p:par>
-        <p:cTn id="1" dur="indefinite" restart="never" nodeType="tmRoot">
-          <p:childTnLst>
-            <p:seq concurrent="1" nextAc="seek">
-              <p:cTn id="2" dur="indefinite" nodeType="mainSeq">
-                <p:childTnLst>
-                  <p:par>
-                    <p:cTn id="3" fill="hold">
-                      <p:stCondLst>
-                        <p:cond delay="indefinite"/>
-                      </p:stCondLst>
-                      <p:childTnLst>
-                        <p:par>
-                          <p:cTn id="4" fill="hold">
-                            <p:stCondLst>
-                              <p:cond delay="0"/>
-                            </p:stCondLst>
-                            <p:childTnLst>
-                              <p:par>
-                                <p:cTn id="5" presetID="1" presetClass="entr" presetSubtype="0" fill="hold" nodeType="clickEffect">
-                                  <p:stCondLst>
-                                    <p:cond delay="0"/>
-                                  </p:stCondLst>
-                                  <p:childTnLst>
-                                    <p:set>
-                                      <p:cBhvr>
-                                        <p:cTn id="6" dur="1" fill="hold">
-                                          <p:stCondLst>
-                                            <p:cond delay="0"/>
-                                          </p:stCondLst>
-                                        </p:cTn>
-                                        <p:tgtEl>
-                                          <p:spTgt spid="14"/>
-                                        </p:tgtEl>
-                                        <p:attrNameLst>
-                                          <p:attrName>style.visibility</p:attrName>
-                                        </p:attrNameLst>
-                                      </p:cBhvr>
-                                      <p:to>
-                                        <p:strVal val="visible"/>
-                                      </p:to>
-                                    </p:set>
-                                  </p:childTnLst>
-                                </p:cTn>
-                              </p:par>
-                            </p:childTnLst>
-                          </p:cTn>
-                        </p:par>
-                      </p:childTnLst>
-                    </p:cTn>
-                  </p:par>
-                </p:childTnLst>
-              </p:cTn>
-              <p:prevCondLst>
-                <p:cond evt="onPrev" delay="0">
-                  <p:tgtEl>
-                    <p:sldTgt/>
-                  </p:tgtEl>
-                </p:cond>
-              </p:prevCondLst>
-              <p:nextCondLst>
-                <p:cond evt="onNext" delay="0">
-                  <p:tgtEl>
-                    <p:sldTgt/>
-                  </p:tgtEl>
-                </p:cond>
-              </p:nextCondLst>
-            </p:seq>
-          </p:childTnLst>
-        </p:cTn>
-      </p:par>
-    </p:tnLst>
-  </p:timing>
 </p:sld>
 </file>
 
@@ -16684,32 +16699,32 @@
         </p:nvSpPr>
         <p:spPr>
           <a:xfrm>
-            <a:off x="468316" y="1008000"/>
-            <a:ext cx="6977903" cy="3706384"/>
+            <a:off x="466725" y="847433"/>
+            <a:ext cx="6275384" cy="3706384"/>
           </a:xfrm>
         </p:spPr>
         <p:txBody>
           <a:bodyPr/>
           <a:lstStyle/>
           <a:p>
-            <a:pPr lvl="1"/>
+            <a:pPr lvl="1" algn="just"/>
             <a:r>
               <a:rPr lang="en-US" sz="1350" dirty="0"/>
               <a:t>Read the sieve mesh sizes and corresponding class weights (sieving results).</a:t>
             </a:r>
           </a:p>
           <a:p>
-            <a:pPr lvl="1"/>
+            <a:pPr lvl="1" algn="just"/>
             <a:r>
               <a:rPr lang="en-US" sz="1350" dirty="0"/>
-              <a:t>Interpolate class weights to identify the percentage finer for all remaining grain sizes.</a:t>
-            </a:r>
-          </a:p>
-          <a:p>
-            <a:pPr lvl="1"/>
+              <a:t>Interpolation class weights to identify the percentage finer for all remaining grain sizes.</a:t>
+            </a:r>
+          </a:p>
+          <a:p>
+            <a:pPr lvl="1" algn="just"/>
             <a:r>
               <a:rPr lang="en-US" sz="1350" dirty="0"/>
-              <a:t>Compute statistical parameters (e.g., d</a:t>
+              <a:t>Computation of the statistical parameters (e.g., d</a:t>
             </a:r>
             <a:r>
               <a:rPr lang="en-US" sz="1350" baseline="-25000" dirty="0"/>
@@ -16729,10 +16744,40 @@
             </a:r>
           </a:p>
           <a:p>
-            <a:pPr lvl="1"/>
+            <a:pPr marL="176212" lvl="1" indent="0" algn="just">
+              <a:buNone/>
+            </a:pPr>
+            <a:endParaRPr lang="en-US" sz="1350" dirty="0"/>
+          </a:p>
+          <a:p>
+            <a:pPr lvl="1" algn="just"/>
             <a:r>
               <a:rPr lang="en-US" sz="1350" dirty="0"/>
-              <a:t>Plot and export the results (e.g., cumulative grain size distribution)</a:t>
+              <a:t>Plotting and exporting of the results (e.g., cumulative grain size distribution)</a:t>
+            </a:r>
+          </a:p>
+          <a:p>
+            <a:pPr marL="0" indent="0" algn="just">
+              <a:buNone/>
+            </a:pPr>
+            <a:endParaRPr lang="en-US" sz="1350" dirty="0"/>
+          </a:p>
+          <a:p>
+            <a:pPr lvl="1" algn="just"/>
+            <a:r>
+              <a:rPr lang="en-US" sz="1350" dirty="0"/>
+              <a:t>Generation the options and comparison tools (e.g., comparison between samples or of single parameters over time)</a:t>
+            </a:r>
+          </a:p>
+          <a:p>
+            <a:pPr lvl="1" algn="just"/>
+            <a:endParaRPr lang="en-US" sz="1350" dirty="0"/>
+          </a:p>
+          <a:p>
+            <a:pPr lvl="1" algn="just"/>
+            <a:r>
+              <a:rPr lang="en-US" sz="1350" dirty="0"/>
+              <a:t>Response to the commands of the GUI and creation of the interactive visualization of the results based on their location</a:t>
             </a:r>
           </a:p>
           <a:p>
@@ -16740,15 +16785,12 @@
             <a:endParaRPr lang="en-US" sz="1350" dirty="0"/>
           </a:p>
           <a:p>
+            <a:pPr marL="0" indent="0">
+              <a:buNone/>
+            </a:pPr>
             <a:r>
               <a:rPr lang="en-US" sz="1350" dirty="0"/>
-              <a:t>Generation of the options and comparison tools (e.g., comparison between samples or of single parameters over time)</a:t>
-            </a:r>
-          </a:p>
-          <a:p>
-            <a:r>
-              <a:rPr lang="en-US" sz="1350" dirty="0"/>
-              <a:t>Response to the commands of the GUI and creation of the interactive visualization of the results based on their location</a:t>
+              <a:t>	</a:t>
             </a:r>
           </a:p>
         </p:txBody>
@@ -16804,10 +16846,9 @@
           <a:lstStyle/>
           <a:p>
             <a:r>
-              <a:rPr lang="en-US"/>
+              <a:rPr lang="en-US" dirty="0"/>
               <a:t>University of Stuttgart</a:t>
             </a:r>
-            <a:endParaRPr lang="en-US" dirty="0"/>
           </a:p>
         </p:txBody>
       </p:sp>
@@ -16855,8 +16896,8 @@
         </p:nvSpPr>
         <p:spPr>
           <a:xfrm>
-            <a:off x="7446219" y="1008000"/>
-            <a:ext cx="146837" cy="1083602"/>
+            <a:off x="6868658" y="847433"/>
+            <a:ext cx="165815" cy="1246845"/>
           </a:xfrm>
           <a:prstGeom prst="rightBrace">
             <a:avLst/>
@@ -16904,8 +16945,8 @@
         </p:nvSpPr>
         <p:spPr>
           <a:xfrm>
-            <a:off x="7882528" y="1065308"/>
-            <a:ext cx="1014517" cy="859210"/>
+            <a:off x="7117110" y="1150020"/>
+            <a:ext cx="1541087" cy="493277"/>
           </a:xfrm>
           <a:prstGeom prst="rect">
             <a:avLst/>
@@ -16918,7 +16959,7 @@
           </a:bodyPr>
           <a:lstStyle/>
           <a:p>
-            <a:pPr>
+            <a:pPr algn="ctr">
               <a:lnSpc>
                 <a:spcPct val="120000"/>
               </a:lnSpc>
@@ -16930,7 +16971,7 @@
               </a:buClr>
             </a:pPr>
             <a:r>
-              <a:rPr lang="en-US" sz="1600" dirty="0"/>
+              <a:rPr lang="en-US" sz="1400" b="1" dirty="0"/>
               <a:t>Class Statistical Analyzer</a:t>
             </a:r>
           </a:p>
@@ -16950,8 +16991,8 @@
         </p:nvSpPr>
         <p:spPr>
           <a:xfrm>
-            <a:off x="7893407" y="2027754"/>
-            <a:ext cx="1014517" cy="859210"/>
+            <a:off x="7202382" y="2394339"/>
+            <a:ext cx="1370544" cy="493277"/>
           </a:xfrm>
           <a:prstGeom prst="rect">
             <a:avLst/>
@@ -16964,7 +17005,7 @@
           </a:bodyPr>
           <a:lstStyle/>
           <a:p>
-            <a:pPr>
+            <a:pPr algn="ctr">
               <a:lnSpc>
                 <a:spcPct val="120000"/>
               </a:lnSpc>
@@ -16976,7 +17017,7 @@
               </a:buClr>
             </a:pPr>
             <a:r>
-              <a:rPr lang="en-US" sz="1600" dirty="0"/>
+              <a:rPr lang="en-US" sz="1400" b="1" dirty="0"/>
               <a:t>Class Static Plotter</a:t>
             </a:r>
           </a:p>
@@ -16996,8 +17037,8 @@
         </p:nvSpPr>
         <p:spPr>
           <a:xfrm>
-            <a:off x="7893407" y="3855174"/>
-            <a:ext cx="1014517" cy="859210"/>
+            <a:off x="7205636" y="3937801"/>
+            <a:ext cx="1454842" cy="493277"/>
           </a:xfrm>
           <a:prstGeom prst="rect">
             <a:avLst/>
@@ -17010,7 +17051,7 @@
           </a:bodyPr>
           <a:lstStyle/>
           <a:p>
-            <a:pPr>
+            <a:pPr algn="ctr">
               <a:lnSpc>
                 <a:spcPct val="120000"/>
               </a:lnSpc>
@@ -17022,7 +17063,7 @@
               </a:buClr>
             </a:pPr>
             <a:r>
-              <a:rPr lang="en-US" sz="1600" dirty="0"/>
+              <a:rPr lang="en-US" sz="1400" b="1" dirty="0"/>
               <a:t>Class Interactive Plotter</a:t>
             </a:r>
           </a:p>
@@ -17042,8 +17083,8 @@
         </p:nvSpPr>
         <p:spPr>
           <a:xfrm>
-            <a:off x="7882527" y="2990201"/>
-            <a:ext cx="1014517" cy="859210"/>
+            <a:off x="7076142" y="3139424"/>
+            <a:ext cx="1636058" cy="493277"/>
           </a:xfrm>
           <a:prstGeom prst="rect">
             <a:avLst/>
@@ -17056,7 +17097,7 @@
           </a:bodyPr>
           <a:lstStyle/>
           <a:p>
-            <a:pPr>
+            <a:pPr algn="ctr">
               <a:lnSpc>
                 <a:spcPct val="120000"/>
               </a:lnSpc>
@@ -17068,17 +17109,156 @@
               </a:buClr>
             </a:pPr>
             <a:r>
-              <a:rPr lang="en-US" sz="1600" dirty="0"/>
-              <a:t>Class </a:t>
-            </a:r>
-            <a:r>
-              <a:rPr lang="en-US" sz="1600" dirty="0" err="1"/>
-              <a:t>MainApplication</a:t>
-            </a:r>
-            <a:r>
-              <a:rPr lang="en-US" sz="1600" dirty="0"/>
-              <a:t> (GUI)</a:t>
-            </a:r>
+              <a:rPr lang="en-US" sz="1400" b="1" dirty="0"/>
+              <a:t>Class Main Application (GUI)</a:t>
+            </a:r>
+          </a:p>
+        </p:txBody>
+      </p:sp>
+      <p:sp>
+        <p:nvSpPr>
+          <p:cNvPr id="22" name="Geschweifte Klammer rechts 21">
+            <a:extLst>
+              <a:ext uri="{FF2B5EF4-FFF2-40B4-BE49-F238E27FC236}">
+                <a16:creationId xmlns:a16="http://schemas.microsoft.com/office/drawing/2014/main" id="{6C5D2BDF-C0F7-4E0B-9668-733962CEC97C}"/>
+              </a:ext>
+            </a:extLst>
+          </p:cNvPr>
+          <p:cNvSpPr/>
+          <p:nvPr/>
+        </p:nvSpPr>
+        <p:spPr>
+          <a:xfrm>
+            <a:off x="6888571" y="2509733"/>
+            <a:ext cx="127562" cy="258580"/>
+          </a:xfrm>
+          <a:prstGeom prst="rightBrace">
+            <a:avLst/>
+          </a:prstGeom>
+          <a:ln w="12700">
+            <a:solidFill>
+              <a:schemeClr val="tx1"/>
+            </a:solidFill>
+          </a:ln>
+        </p:spPr>
+        <p:style>
+          <a:lnRef idx="1">
+            <a:schemeClr val="accent1"/>
+          </a:lnRef>
+          <a:fillRef idx="0">
+            <a:schemeClr val="accent1"/>
+          </a:fillRef>
+          <a:effectRef idx="0">
+            <a:schemeClr val="accent1"/>
+          </a:effectRef>
+          <a:fontRef idx="minor">
+            <a:schemeClr val="tx1"/>
+          </a:fontRef>
+        </p:style>
+        <p:txBody>
+          <a:bodyPr rtlCol="0" anchor="ctr"/>
+          <a:lstStyle/>
+          <a:p>
+            <a:pPr algn="ctr"/>
+            <a:endParaRPr lang="en-US"/>
+          </a:p>
+        </p:txBody>
+      </p:sp>
+      <p:sp>
+        <p:nvSpPr>
+          <p:cNvPr id="24" name="Geschweifte Klammer rechts 23">
+            <a:extLst>
+              <a:ext uri="{FF2B5EF4-FFF2-40B4-BE49-F238E27FC236}">
+                <a16:creationId xmlns:a16="http://schemas.microsoft.com/office/drawing/2014/main" id="{4642C01E-6EA4-4025-9377-082D2030DA54}"/>
+              </a:ext>
+            </a:extLst>
+          </p:cNvPr>
+          <p:cNvSpPr/>
+          <p:nvPr/>
+        </p:nvSpPr>
+        <p:spPr>
+          <a:xfrm>
+            <a:off x="6867613" y="3139424"/>
+            <a:ext cx="148520" cy="484085"/>
+          </a:xfrm>
+          <a:prstGeom prst="rightBrace">
+            <a:avLst/>
+          </a:prstGeom>
+          <a:ln w="12700">
+            <a:solidFill>
+              <a:schemeClr val="tx1"/>
+            </a:solidFill>
+          </a:ln>
+        </p:spPr>
+        <p:style>
+          <a:lnRef idx="1">
+            <a:schemeClr val="accent1"/>
+          </a:lnRef>
+          <a:fillRef idx="0">
+            <a:schemeClr val="accent1"/>
+          </a:fillRef>
+          <a:effectRef idx="0">
+            <a:schemeClr val="accent1"/>
+          </a:effectRef>
+          <a:fontRef idx="minor">
+            <a:schemeClr val="tx1"/>
+          </a:fontRef>
+        </p:style>
+        <p:txBody>
+          <a:bodyPr rtlCol="0" anchor="ctr"/>
+          <a:lstStyle/>
+          <a:p>
+            <a:pPr algn="ctr"/>
+            <a:endParaRPr lang="en-US"/>
+          </a:p>
+        </p:txBody>
+      </p:sp>
+      <p:sp>
+        <p:nvSpPr>
+          <p:cNvPr id="25" name="Geschweifte Klammer rechts 24">
+            <a:extLst>
+              <a:ext uri="{FF2B5EF4-FFF2-40B4-BE49-F238E27FC236}">
+                <a16:creationId xmlns:a16="http://schemas.microsoft.com/office/drawing/2014/main" id="{9AE4AD26-4068-4060-93F4-55E6600C05C0}"/>
+              </a:ext>
+            </a:extLst>
+          </p:cNvPr>
+          <p:cNvSpPr/>
+          <p:nvPr/>
+        </p:nvSpPr>
+        <p:spPr>
+          <a:xfrm>
+            <a:off x="6859675" y="3982382"/>
+            <a:ext cx="156457" cy="448696"/>
+          </a:xfrm>
+          <a:prstGeom prst="rightBrace">
+            <a:avLst/>
+          </a:prstGeom>
+          <a:ln w="12700">
+            <a:solidFill>
+              <a:schemeClr val="tx1"/>
+            </a:solidFill>
+          </a:ln>
+        </p:spPr>
+        <p:style>
+          <a:lnRef idx="1">
+            <a:schemeClr val="accent1"/>
+          </a:lnRef>
+          <a:fillRef idx="0">
+            <a:schemeClr val="accent1"/>
+          </a:fillRef>
+          <a:effectRef idx="0">
+            <a:schemeClr val="accent1"/>
+          </a:effectRef>
+          <a:fontRef idx="minor">
+            <a:schemeClr val="tx1"/>
+          </a:fontRef>
+        </p:style>
+        <p:txBody>
+          <a:bodyPr rtlCol="0" anchor="ctr"/>
+          <a:lstStyle/>
+          <a:p>
+            <a:pPr algn="ctr"/>
+            <a:endParaRPr lang="en-US"/>
           </a:p>
         </p:txBody>
       </p:sp>
@@ -17133,122 +17313,10 @@
           <a:bodyPr/>
           <a:lstStyle/>
           <a:p>
-            <a:endParaRPr lang="en-US"/>
-          </a:p>
-        </p:txBody>
-      </p:sp>
-      <p:sp>
-        <p:nvSpPr>
-          <p:cNvPr id="3" name="Textplatzhalter 2">
-            <a:extLst>
-              <a:ext uri="{FF2B5EF4-FFF2-40B4-BE49-F238E27FC236}">
-                <a16:creationId xmlns:a16="http://schemas.microsoft.com/office/drawing/2014/main" id="{3C915DDD-99F1-41BF-BD45-DE9CBB9BBA83}"/>
-              </a:ext>
-            </a:extLst>
-          </p:cNvPr>
-          <p:cNvSpPr>
-            <a:spLocks noGrp="1"/>
-          </p:cNvSpPr>
-          <p:nvPr>
-            <p:ph type="body" sz="quarter" idx="13"/>
-          </p:nvPr>
-        </p:nvSpPr>
-        <p:spPr/>
-        <p:txBody>
-          <a:bodyPr/>
-          <a:lstStyle/>
-          <a:p>
-            <a:endParaRPr lang="en-US"/>
-          </a:p>
-        </p:txBody>
-      </p:sp>
-      <p:sp>
-        <p:nvSpPr>
-          <p:cNvPr id="4" name="Inhaltsplatzhalter 3">
-            <a:extLst>
-              <a:ext uri="{FF2B5EF4-FFF2-40B4-BE49-F238E27FC236}">
-                <a16:creationId xmlns:a16="http://schemas.microsoft.com/office/drawing/2014/main" id="{3DC59B47-63CE-472E-9912-12DFCDC79C75}"/>
-              </a:ext>
-            </a:extLst>
-          </p:cNvPr>
-          <p:cNvSpPr>
-            <a:spLocks noGrp="1"/>
-          </p:cNvSpPr>
-          <p:nvPr>
-            <p:ph idx="1"/>
-          </p:nvPr>
-        </p:nvSpPr>
-        <p:spPr>
-          <a:xfrm>
-            <a:off x="468316" y="1008000"/>
-            <a:ext cx="5532017" cy="3706384"/>
-          </a:xfrm>
-        </p:spPr>
-        <p:txBody>
-          <a:bodyPr/>
-          <a:lstStyle/>
-          <a:p>
-            <a:pPr lvl="1"/>
-            <a:r>
-              <a:rPr lang="en-US" sz="1350" dirty="0"/>
-              <a:t>Read the sieve mesh sizes and corresponding class weights (sieving results).</a:t>
-            </a:r>
-          </a:p>
-          <a:p>
-            <a:pPr lvl="1"/>
-            <a:r>
-              <a:rPr lang="en-US" sz="1350" dirty="0"/>
-              <a:t>Interpolate class weights to identify the percentage finer for all remaining grain sizes.</a:t>
-            </a:r>
-          </a:p>
-          <a:p>
-            <a:pPr lvl="1"/>
-            <a:r>
-              <a:rPr lang="en-US" sz="1350" dirty="0"/>
-              <a:t>Compute statistical parameters (e.g., d</a:t>
-            </a:r>
-            <a:r>
-              <a:rPr lang="en-US" sz="1350" baseline="-25000" dirty="0"/>
-              <a:t>m</a:t>
-            </a:r>
-            <a:r>
-              <a:rPr lang="en-US" sz="1350" dirty="0"/>
-              <a:t>,</a:t>
-            </a:r>
-            <a:r>
-              <a:rPr lang="en-US" sz="1350" baseline="-25000" dirty="0"/>
-              <a:t> </a:t>
-            </a:r>
-            <a:r>
-              <a:rPr lang="en-US" sz="1350" dirty="0"/>
-              <a:t>sorting index and geometric standard deviation).</a:t>
-            </a:r>
-          </a:p>
-          <a:p>
-            <a:pPr lvl="1"/>
-            <a:r>
-              <a:rPr lang="en-US" sz="1350" dirty="0"/>
-              <a:t>Plot and export the results (e.g., cumulative grain size distribution)</a:t>
-            </a:r>
-          </a:p>
-          <a:p>
-            <a:pPr lvl="1"/>
-            <a:endParaRPr lang="en-US" sz="1350" dirty="0"/>
-          </a:p>
-          <a:p>
-            <a:r>
-              <a:rPr lang="en-US" sz="1350" dirty="0"/>
-              <a:t>Generation of the options and comparison tools (e.g., comparison between samples or of single parameters over time)</a:t>
-            </a:r>
-          </a:p>
-          <a:p>
-            <a:r>
-              <a:rPr lang="en-US" sz="1350" dirty="0"/>
-              <a:t>Response to the commands of the GUI and creation of the interactive visualization of the results based on their location</a:t>
-            </a:r>
-          </a:p>
-          <a:p>
-            <a:endParaRPr lang="en-US" dirty="0"/>
+            <a:r>
+              <a:rPr lang="en-US" dirty="0"/>
+              <a:t>Timeline</a:t>
+            </a:r>
           </a:p>
         </p:txBody>
       </p:sp>
@@ -17303,10 +17371,9 @@
           <a:lstStyle/>
           <a:p>
             <a:r>
-              <a:rPr lang="en-US"/>
+              <a:rPr lang="en-US" dirty="0"/>
               <a:t>University of Stuttgart</a:t>
             </a:r>
-            <a:endParaRPr lang="en-US" dirty="0"/>
           </a:p>
         </p:txBody>
       </p:sp>
@@ -17337,6 +17404,924 @@
               <a:t>5</a:t>
             </a:fld>
             <a:endParaRPr lang="en-US" dirty="0"/>
+          </a:p>
+        </p:txBody>
+      </p:sp>
+      <p:sp>
+        <p:nvSpPr>
+          <p:cNvPr id="12" name="Textfeld 11">
+            <a:extLst>
+              <a:ext uri="{FF2B5EF4-FFF2-40B4-BE49-F238E27FC236}">
+                <a16:creationId xmlns:a16="http://schemas.microsoft.com/office/drawing/2014/main" id="{8B0D7D5D-5AA4-4959-9406-3A0E94AFF204}"/>
+              </a:ext>
+            </a:extLst>
+          </p:cNvPr>
+          <p:cNvSpPr txBox="1"/>
+          <p:nvPr/>
+        </p:nvSpPr>
+        <p:spPr>
+          <a:xfrm>
+            <a:off x="806824" y="1062318"/>
+            <a:ext cx="1021976" cy="296819"/>
+          </a:xfrm>
+          <a:prstGeom prst="roundRect">
+            <a:avLst/>
+          </a:prstGeom>
+          <a:solidFill>
+            <a:schemeClr val="accent2"/>
+          </a:solidFill>
+        </p:spPr>
+        <p:txBody>
+          <a:bodyPr wrap="square" lIns="0" tIns="0" rIns="0" bIns="0" rtlCol="0">
+            <a:spAutoFit/>
+          </a:bodyPr>
+          <a:lstStyle/>
+          <a:p>
+            <a:pPr algn="ctr">
+              <a:lnSpc>
+                <a:spcPct val="120000"/>
+              </a:lnSpc>
+              <a:spcBef>
+                <a:spcPts val="750"/>
+              </a:spcBef>
+              <a:buClr>
+                <a:schemeClr val="accent1"/>
+              </a:buClr>
+            </a:pPr>
+            <a:r>
+              <a:rPr lang="en-US" sz="1600" dirty="0">
+                <a:solidFill>
+                  <a:schemeClr val="bg1"/>
+                </a:solidFill>
+              </a:rPr>
+              <a:t>Week 1</a:t>
+            </a:r>
+          </a:p>
+        </p:txBody>
+      </p:sp>
+      <p:sp>
+        <p:nvSpPr>
+          <p:cNvPr id="13" name="Pfeil: nach rechts 12">
+            <a:extLst>
+              <a:ext uri="{FF2B5EF4-FFF2-40B4-BE49-F238E27FC236}">
+                <a16:creationId xmlns:a16="http://schemas.microsoft.com/office/drawing/2014/main" id="{52B87A6F-C6F2-4430-8759-25C1E038191F}"/>
+              </a:ext>
+            </a:extLst>
+          </p:cNvPr>
+          <p:cNvSpPr/>
+          <p:nvPr/>
+        </p:nvSpPr>
+        <p:spPr>
+          <a:xfrm>
+            <a:off x="1652756" y="974851"/>
+            <a:ext cx="6836244" cy="471752"/>
+          </a:xfrm>
+          <a:prstGeom prst="rightArrow">
+            <a:avLst>
+              <a:gd name="adj1" fmla="val 100000"/>
+              <a:gd name="adj2" fmla="val 48148"/>
+            </a:avLst>
+          </a:prstGeom>
+          <a:noFill/>
+          <a:ln>
+            <a:solidFill>
+              <a:schemeClr val="accent2"/>
+            </a:solidFill>
+          </a:ln>
+        </p:spPr>
+        <p:style>
+          <a:lnRef idx="2">
+            <a:schemeClr val="accent1">
+              <a:shade val="50000"/>
+            </a:schemeClr>
+          </a:lnRef>
+          <a:fillRef idx="1">
+            <a:schemeClr val="accent1"/>
+          </a:fillRef>
+          <a:effectRef idx="0">
+            <a:schemeClr val="accent1"/>
+          </a:effectRef>
+          <a:fontRef idx="minor">
+            <a:schemeClr val="lt1"/>
+          </a:fontRef>
+        </p:style>
+        <p:txBody>
+          <a:bodyPr rtlCol="0" anchor="ctr"/>
+          <a:lstStyle/>
+          <a:p>
+            <a:pPr algn="ctr"/>
+            <a:endParaRPr lang="en-US" sz="1600" dirty="0"/>
+          </a:p>
+        </p:txBody>
+      </p:sp>
+      <p:sp>
+        <p:nvSpPr>
+          <p:cNvPr id="14" name="Textfeld 13">
+            <a:extLst>
+              <a:ext uri="{FF2B5EF4-FFF2-40B4-BE49-F238E27FC236}">
+                <a16:creationId xmlns:a16="http://schemas.microsoft.com/office/drawing/2014/main" id="{2F382E1E-78C8-4381-8170-6CA24B0585E2}"/>
+              </a:ext>
+            </a:extLst>
+          </p:cNvPr>
+          <p:cNvSpPr txBox="1"/>
+          <p:nvPr/>
+        </p:nvSpPr>
+        <p:spPr>
+          <a:xfrm>
+            <a:off x="1929653" y="1055595"/>
+            <a:ext cx="6178924" cy="268279"/>
+          </a:xfrm>
+          <a:prstGeom prst="rect">
+            <a:avLst/>
+          </a:prstGeom>
+          <a:noFill/>
+        </p:spPr>
+        <p:txBody>
+          <a:bodyPr wrap="square" lIns="0" tIns="0" rIns="0" bIns="0" rtlCol="0">
+            <a:spAutoFit/>
+          </a:bodyPr>
+          <a:lstStyle/>
+          <a:p>
+            <a:pPr>
+              <a:lnSpc>
+                <a:spcPct val="120000"/>
+              </a:lnSpc>
+              <a:spcBef>
+                <a:spcPts val="750"/>
+              </a:spcBef>
+              <a:buClr>
+                <a:schemeClr val="accent1"/>
+              </a:buClr>
+            </a:pPr>
+            <a:r>
+              <a:rPr lang="en-US" sz="1600" dirty="0"/>
+              <a:t>Creation of the Statistical Analyzer and Static Plotter Classes</a:t>
+            </a:r>
+          </a:p>
+        </p:txBody>
+      </p:sp>
+      <p:sp>
+        <p:nvSpPr>
+          <p:cNvPr id="21" name="Textfeld 20">
+            <a:extLst>
+              <a:ext uri="{FF2B5EF4-FFF2-40B4-BE49-F238E27FC236}">
+                <a16:creationId xmlns:a16="http://schemas.microsoft.com/office/drawing/2014/main" id="{5E50D731-C409-405A-B06F-8316F73925B7}"/>
+              </a:ext>
+            </a:extLst>
+          </p:cNvPr>
+          <p:cNvSpPr txBox="1"/>
+          <p:nvPr/>
+        </p:nvSpPr>
+        <p:spPr>
+          <a:xfrm>
+            <a:off x="806824" y="1670637"/>
+            <a:ext cx="1021976" cy="296819"/>
+          </a:xfrm>
+          <a:prstGeom prst="roundRect">
+            <a:avLst/>
+          </a:prstGeom>
+          <a:solidFill>
+            <a:schemeClr val="accent2"/>
+          </a:solidFill>
+        </p:spPr>
+        <p:txBody>
+          <a:bodyPr wrap="square" lIns="0" tIns="0" rIns="0" bIns="0" rtlCol="0">
+            <a:spAutoFit/>
+          </a:bodyPr>
+          <a:lstStyle/>
+          <a:p>
+            <a:pPr algn="ctr">
+              <a:lnSpc>
+                <a:spcPct val="120000"/>
+              </a:lnSpc>
+              <a:spcBef>
+                <a:spcPts val="750"/>
+              </a:spcBef>
+              <a:buClr>
+                <a:schemeClr val="accent1"/>
+              </a:buClr>
+            </a:pPr>
+            <a:r>
+              <a:rPr lang="en-US" sz="1600" dirty="0">
+                <a:solidFill>
+                  <a:schemeClr val="bg1"/>
+                </a:solidFill>
+              </a:rPr>
+              <a:t>Week 2-3</a:t>
+            </a:r>
+          </a:p>
+        </p:txBody>
+      </p:sp>
+      <p:sp>
+        <p:nvSpPr>
+          <p:cNvPr id="22" name="Pfeil: nach rechts 21">
+            <a:extLst>
+              <a:ext uri="{FF2B5EF4-FFF2-40B4-BE49-F238E27FC236}">
+                <a16:creationId xmlns:a16="http://schemas.microsoft.com/office/drawing/2014/main" id="{FDA46A9E-FD5E-466D-A515-C3D3A42A72D7}"/>
+              </a:ext>
+            </a:extLst>
+          </p:cNvPr>
+          <p:cNvSpPr/>
+          <p:nvPr/>
+        </p:nvSpPr>
+        <p:spPr>
+          <a:xfrm>
+            <a:off x="1652756" y="1583170"/>
+            <a:ext cx="6836244" cy="471752"/>
+          </a:xfrm>
+          <a:prstGeom prst="rightArrow">
+            <a:avLst>
+              <a:gd name="adj1" fmla="val 100000"/>
+              <a:gd name="adj2" fmla="val 48148"/>
+            </a:avLst>
+          </a:prstGeom>
+          <a:noFill/>
+          <a:ln>
+            <a:solidFill>
+              <a:schemeClr val="accent2"/>
+            </a:solidFill>
+          </a:ln>
+        </p:spPr>
+        <p:style>
+          <a:lnRef idx="2">
+            <a:schemeClr val="accent1">
+              <a:shade val="50000"/>
+            </a:schemeClr>
+          </a:lnRef>
+          <a:fillRef idx="1">
+            <a:schemeClr val="accent1"/>
+          </a:fillRef>
+          <a:effectRef idx="0">
+            <a:schemeClr val="accent1"/>
+          </a:effectRef>
+          <a:fontRef idx="minor">
+            <a:schemeClr val="lt1"/>
+          </a:fontRef>
+        </p:style>
+        <p:txBody>
+          <a:bodyPr rtlCol="0" anchor="ctr"/>
+          <a:lstStyle/>
+          <a:p>
+            <a:pPr algn="ctr"/>
+            <a:endParaRPr lang="en-US" sz="1600" dirty="0"/>
+          </a:p>
+        </p:txBody>
+      </p:sp>
+      <p:sp>
+        <p:nvSpPr>
+          <p:cNvPr id="23" name="Textfeld 22">
+            <a:extLst>
+              <a:ext uri="{FF2B5EF4-FFF2-40B4-BE49-F238E27FC236}">
+                <a16:creationId xmlns:a16="http://schemas.microsoft.com/office/drawing/2014/main" id="{9148279D-88B6-4220-ADC1-86B822051C9A}"/>
+              </a:ext>
+            </a:extLst>
+          </p:cNvPr>
+          <p:cNvSpPr txBox="1"/>
+          <p:nvPr/>
+        </p:nvSpPr>
+        <p:spPr>
+          <a:xfrm>
+            <a:off x="1929653" y="1663914"/>
+            <a:ext cx="6178924" cy="268279"/>
+          </a:xfrm>
+          <a:prstGeom prst="rect">
+            <a:avLst/>
+          </a:prstGeom>
+          <a:noFill/>
+        </p:spPr>
+        <p:txBody>
+          <a:bodyPr wrap="square" lIns="0" tIns="0" rIns="0" bIns="0" rtlCol="0">
+            <a:spAutoFit/>
+          </a:bodyPr>
+          <a:lstStyle/>
+          <a:p>
+            <a:pPr>
+              <a:lnSpc>
+                <a:spcPct val="120000"/>
+              </a:lnSpc>
+              <a:spcBef>
+                <a:spcPts val="750"/>
+              </a:spcBef>
+              <a:buClr>
+                <a:schemeClr val="accent1"/>
+              </a:buClr>
+            </a:pPr>
+            <a:r>
+              <a:rPr lang="en-US" sz="1600" dirty="0"/>
+              <a:t>Creation of the Main Application and Interactive Plotter Classes</a:t>
+            </a:r>
+          </a:p>
+        </p:txBody>
+      </p:sp>
+      <p:sp>
+        <p:nvSpPr>
+          <p:cNvPr id="24" name="Textfeld 23">
+            <a:extLst>
+              <a:ext uri="{FF2B5EF4-FFF2-40B4-BE49-F238E27FC236}">
+                <a16:creationId xmlns:a16="http://schemas.microsoft.com/office/drawing/2014/main" id="{DBA02174-CED0-4B06-AD89-2EB3079CC23D}"/>
+              </a:ext>
+            </a:extLst>
+          </p:cNvPr>
+          <p:cNvSpPr txBox="1"/>
+          <p:nvPr/>
+        </p:nvSpPr>
+        <p:spPr>
+          <a:xfrm>
+            <a:off x="813548" y="2278956"/>
+            <a:ext cx="1021976" cy="296819"/>
+          </a:xfrm>
+          <a:prstGeom prst="roundRect">
+            <a:avLst/>
+          </a:prstGeom>
+          <a:solidFill>
+            <a:schemeClr val="accent2"/>
+          </a:solidFill>
+        </p:spPr>
+        <p:txBody>
+          <a:bodyPr wrap="square" lIns="0" tIns="0" rIns="0" bIns="0" rtlCol="0">
+            <a:spAutoFit/>
+          </a:bodyPr>
+          <a:lstStyle/>
+          <a:p>
+            <a:pPr algn="ctr">
+              <a:lnSpc>
+                <a:spcPct val="120000"/>
+              </a:lnSpc>
+              <a:spcBef>
+                <a:spcPts val="750"/>
+              </a:spcBef>
+              <a:buClr>
+                <a:schemeClr val="accent1"/>
+              </a:buClr>
+            </a:pPr>
+            <a:r>
+              <a:rPr lang="en-US" sz="1600" dirty="0">
+                <a:solidFill>
+                  <a:schemeClr val="bg1"/>
+                </a:solidFill>
+              </a:rPr>
+              <a:t>Week 4</a:t>
+            </a:r>
+          </a:p>
+        </p:txBody>
+      </p:sp>
+      <p:sp>
+        <p:nvSpPr>
+          <p:cNvPr id="25" name="Pfeil: nach rechts 24">
+            <a:extLst>
+              <a:ext uri="{FF2B5EF4-FFF2-40B4-BE49-F238E27FC236}">
+                <a16:creationId xmlns:a16="http://schemas.microsoft.com/office/drawing/2014/main" id="{D0F90548-8F05-4399-BF5B-D271C452F9F3}"/>
+              </a:ext>
+            </a:extLst>
+          </p:cNvPr>
+          <p:cNvSpPr/>
+          <p:nvPr/>
+        </p:nvSpPr>
+        <p:spPr>
+          <a:xfrm>
+            <a:off x="1659480" y="2191489"/>
+            <a:ext cx="6836244" cy="471752"/>
+          </a:xfrm>
+          <a:prstGeom prst="rightArrow">
+            <a:avLst>
+              <a:gd name="adj1" fmla="val 100000"/>
+              <a:gd name="adj2" fmla="val 48148"/>
+            </a:avLst>
+          </a:prstGeom>
+          <a:noFill/>
+          <a:ln>
+            <a:solidFill>
+              <a:schemeClr val="accent2"/>
+            </a:solidFill>
+          </a:ln>
+        </p:spPr>
+        <p:style>
+          <a:lnRef idx="2">
+            <a:schemeClr val="accent1">
+              <a:shade val="50000"/>
+            </a:schemeClr>
+          </a:lnRef>
+          <a:fillRef idx="1">
+            <a:schemeClr val="accent1"/>
+          </a:fillRef>
+          <a:effectRef idx="0">
+            <a:schemeClr val="accent1"/>
+          </a:effectRef>
+          <a:fontRef idx="minor">
+            <a:schemeClr val="lt1"/>
+          </a:fontRef>
+        </p:style>
+        <p:txBody>
+          <a:bodyPr rtlCol="0" anchor="ctr"/>
+          <a:lstStyle/>
+          <a:p>
+            <a:pPr algn="ctr"/>
+            <a:endParaRPr lang="en-US" sz="1600" dirty="0"/>
+          </a:p>
+        </p:txBody>
+      </p:sp>
+      <p:sp>
+        <p:nvSpPr>
+          <p:cNvPr id="26" name="Textfeld 25">
+            <a:extLst>
+              <a:ext uri="{FF2B5EF4-FFF2-40B4-BE49-F238E27FC236}">
+                <a16:creationId xmlns:a16="http://schemas.microsoft.com/office/drawing/2014/main" id="{7250E535-151A-41D8-887F-A59910CA94E3}"/>
+              </a:ext>
+            </a:extLst>
+          </p:cNvPr>
+          <p:cNvSpPr txBox="1"/>
+          <p:nvPr/>
+        </p:nvSpPr>
+        <p:spPr>
+          <a:xfrm>
+            <a:off x="1936377" y="2272233"/>
+            <a:ext cx="6178924" cy="268279"/>
+          </a:xfrm>
+          <a:prstGeom prst="rect">
+            <a:avLst/>
+          </a:prstGeom>
+          <a:noFill/>
+        </p:spPr>
+        <p:txBody>
+          <a:bodyPr wrap="square" lIns="0" tIns="0" rIns="0" bIns="0" rtlCol="0">
+            <a:spAutoFit/>
+          </a:bodyPr>
+          <a:lstStyle/>
+          <a:p>
+            <a:pPr>
+              <a:lnSpc>
+                <a:spcPct val="120000"/>
+              </a:lnSpc>
+              <a:spcBef>
+                <a:spcPts val="750"/>
+              </a:spcBef>
+              <a:buClr>
+                <a:schemeClr val="accent1"/>
+              </a:buClr>
+            </a:pPr>
+            <a:r>
+              <a:rPr lang="en-US" sz="1600" dirty="0"/>
+              <a:t>Main Script and preparation of the presentation </a:t>
+            </a:r>
+          </a:p>
+        </p:txBody>
+      </p:sp>
+      <p:sp>
+        <p:nvSpPr>
+          <p:cNvPr id="27" name="Textfeld 26">
+            <a:extLst>
+              <a:ext uri="{FF2B5EF4-FFF2-40B4-BE49-F238E27FC236}">
+                <a16:creationId xmlns:a16="http://schemas.microsoft.com/office/drawing/2014/main" id="{20015BA2-7D38-498B-BFE8-71F0086B0315}"/>
+              </a:ext>
+            </a:extLst>
+          </p:cNvPr>
+          <p:cNvSpPr txBox="1"/>
+          <p:nvPr/>
+        </p:nvSpPr>
+        <p:spPr>
+          <a:xfrm>
+            <a:off x="806824" y="2883651"/>
+            <a:ext cx="1021976" cy="296819"/>
+          </a:xfrm>
+          <a:prstGeom prst="roundRect">
+            <a:avLst/>
+          </a:prstGeom>
+          <a:solidFill>
+            <a:schemeClr val="accent2"/>
+          </a:solidFill>
+        </p:spPr>
+        <p:txBody>
+          <a:bodyPr wrap="square" lIns="0" tIns="0" rIns="0" bIns="0" rtlCol="0">
+            <a:spAutoFit/>
+          </a:bodyPr>
+          <a:lstStyle/>
+          <a:p>
+            <a:pPr algn="ctr">
+              <a:lnSpc>
+                <a:spcPct val="120000"/>
+              </a:lnSpc>
+              <a:spcBef>
+                <a:spcPts val="750"/>
+              </a:spcBef>
+              <a:buClr>
+                <a:schemeClr val="accent1"/>
+              </a:buClr>
+            </a:pPr>
+            <a:r>
+              <a:rPr lang="en-US" sz="1600" dirty="0">
+                <a:solidFill>
+                  <a:schemeClr val="bg1"/>
+                </a:solidFill>
+              </a:rPr>
+              <a:t>Week 5</a:t>
+            </a:r>
+          </a:p>
+        </p:txBody>
+      </p:sp>
+      <p:sp>
+        <p:nvSpPr>
+          <p:cNvPr id="28" name="Pfeil: nach rechts 27">
+            <a:extLst>
+              <a:ext uri="{FF2B5EF4-FFF2-40B4-BE49-F238E27FC236}">
+                <a16:creationId xmlns:a16="http://schemas.microsoft.com/office/drawing/2014/main" id="{B0C396A6-9F5E-4CD3-9EE9-F714CBED713B}"/>
+              </a:ext>
+            </a:extLst>
+          </p:cNvPr>
+          <p:cNvSpPr/>
+          <p:nvPr/>
+        </p:nvSpPr>
+        <p:spPr>
+          <a:xfrm>
+            <a:off x="1652756" y="2796184"/>
+            <a:ext cx="6836244" cy="471752"/>
+          </a:xfrm>
+          <a:prstGeom prst="rightArrow">
+            <a:avLst>
+              <a:gd name="adj1" fmla="val 100000"/>
+              <a:gd name="adj2" fmla="val 48148"/>
+            </a:avLst>
+          </a:prstGeom>
+          <a:noFill/>
+          <a:ln>
+            <a:solidFill>
+              <a:schemeClr val="accent2"/>
+            </a:solidFill>
+          </a:ln>
+        </p:spPr>
+        <p:style>
+          <a:lnRef idx="2">
+            <a:schemeClr val="accent1">
+              <a:shade val="50000"/>
+            </a:schemeClr>
+          </a:lnRef>
+          <a:fillRef idx="1">
+            <a:schemeClr val="accent1"/>
+          </a:fillRef>
+          <a:effectRef idx="0">
+            <a:schemeClr val="accent1"/>
+          </a:effectRef>
+          <a:fontRef idx="minor">
+            <a:schemeClr val="lt1"/>
+          </a:fontRef>
+        </p:style>
+        <p:txBody>
+          <a:bodyPr rtlCol="0" anchor="ctr"/>
+          <a:lstStyle/>
+          <a:p>
+            <a:pPr algn="ctr"/>
+            <a:endParaRPr lang="en-US" sz="1600" dirty="0"/>
+          </a:p>
+        </p:txBody>
+      </p:sp>
+      <p:sp>
+        <p:nvSpPr>
+          <p:cNvPr id="29" name="Textfeld 28">
+            <a:extLst>
+              <a:ext uri="{FF2B5EF4-FFF2-40B4-BE49-F238E27FC236}">
+                <a16:creationId xmlns:a16="http://schemas.microsoft.com/office/drawing/2014/main" id="{37E49F3A-C6E1-4590-BF3A-8914EF5069E3}"/>
+              </a:ext>
+            </a:extLst>
+          </p:cNvPr>
+          <p:cNvSpPr txBox="1"/>
+          <p:nvPr/>
+        </p:nvSpPr>
+        <p:spPr>
+          <a:xfrm>
+            <a:off x="1929653" y="2876928"/>
+            <a:ext cx="6178924" cy="268279"/>
+          </a:xfrm>
+          <a:prstGeom prst="rect">
+            <a:avLst/>
+          </a:prstGeom>
+          <a:noFill/>
+        </p:spPr>
+        <p:txBody>
+          <a:bodyPr wrap="square" lIns="0" tIns="0" rIns="0" bIns="0" rtlCol="0">
+            <a:spAutoFit/>
+          </a:bodyPr>
+          <a:lstStyle/>
+          <a:p>
+            <a:pPr>
+              <a:lnSpc>
+                <a:spcPct val="120000"/>
+              </a:lnSpc>
+              <a:spcBef>
+                <a:spcPts val="750"/>
+              </a:spcBef>
+              <a:buClr>
+                <a:schemeClr val="accent1"/>
+              </a:buClr>
+            </a:pPr>
+            <a:r>
+              <a:rPr lang="en-US" sz="1600" dirty="0"/>
+              <a:t>Code design: finalization of the diagram and debugging</a:t>
+            </a:r>
+          </a:p>
+        </p:txBody>
+      </p:sp>
+      <p:sp>
+        <p:nvSpPr>
+          <p:cNvPr id="30" name="Textfeld 29">
+            <a:extLst>
+              <a:ext uri="{FF2B5EF4-FFF2-40B4-BE49-F238E27FC236}">
+                <a16:creationId xmlns:a16="http://schemas.microsoft.com/office/drawing/2014/main" id="{2BEC4A08-272E-4268-A9AA-5CF82DAC42F5}"/>
+              </a:ext>
+            </a:extLst>
+          </p:cNvPr>
+          <p:cNvSpPr txBox="1"/>
+          <p:nvPr/>
+        </p:nvSpPr>
+        <p:spPr>
+          <a:xfrm>
+            <a:off x="806824" y="3491251"/>
+            <a:ext cx="1021976" cy="296819"/>
+          </a:xfrm>
+          <a:prstGeom prst="roundRect">
+            <a:avLst/>
+          </a:prstGeom>
+          <a:solidFill>
+            <a:schemeClr val="accent2"/>
+          </a:solidFill>
+        </p:spPr>
+        <p:txBody>
+          <a:bodyPr wrap="square" lIns="0" tIns="0" rIns="0" bIns="0" rtlCol="0">
+            <a:spAutoFit/>
+          </a:bodyPr>
+          <a:lstStyle/>
+          <a:p>
+            <a:pPr algn="ctr">
+              <a:lnSpc>
+                <a:spcPct val="120000"/>
+              </a:lnSpc>
+              <a:spcBef>
+                <a:spcPts val="750"/>
+              </a:spcBef>
+              <a:buClr>
+                <a:schemeClr val="accent1"/>
+              </a:buClr>
+            </a:pPr>
+            <a:r>
+              <a:rPr lang="en-US" sz="1600" dirty="0">
+                <a:solidFill>
+                  <a:schemeClr val="bg1"/>
+                </a:solidFill>
+              </a:rPr>
+              <a:t>Week 6</a:t>
+            </a:r>
+          </a:p>
+        </p:txBody>
+      </p:sp>
+      <p:sp>
+        <p:nvSpPr>
+          <p:cNvPr id="31" name="Pfeil: nach rechts 30">
+            <a:extLst>
+              <a:ext uri="{FF2B5EF4-FFF2-40B4-BE49-F238E27FC236}">
+                <a16:creationId xmlns:a16="http://schemas.microsoft.com/office/drawing/2014/main" id="{FB99F018-3DCF-4249-BEDF-A4E34AF0C4F2}"/>
+              </a:ext>
+            </a:extLst>
+          </p:cNvPr>
+          <p:cNvSpPr/>
+          <p:nvPr/>
+        </p:nvSpPr>
+        <p:spPr>
+          <a:xfrm>
+            <a:off x="1652756" y="3403784"/>
+            <a:ext cx="6836244" cy="471752"/>
+          </a:xfrm>
+          <a:prstGeom prst="rightArrow">
+            <a:avLst>
+              <a:gd name="adj1" fmla="val 100000"/>
+              <a:gd name="adj2" fmla="val 48148"/>
+            </a:avLst>
+          </a:prstGeom>
+          <a:noFill/>
+          <a:ln>
+            <a:solidFill>
+              <a:schemeClr val="accent2"/>
+            </a:solidFill>
+          </a:ln>
+        </p:spPr>
+        <p:style>
+          <a:lnRef idx="2">
+            <a:schemeClr val="accent1">
+              <a:shade val="50000"/>
+            </a:schemeClr>
+          </a:lnRef>
+          <a:fillRef idx="1">
+            <a:schemeClr val="accent1"/>
+          </a:fillRef>
+          <a:effectRef idx="0">
+            <a:schemeClr val="accent1"/>
+          </a:effectRef>
+          <a:fontRef idx="minor">
+            <a:schemeClr val="lt1"/>
+          </a:fontRef>
+        </p:style>
+        <p:txBody>
+          <a:bodyPr rtlCol="0" anchor="ctr"/>
+          <a:lstStyle/>
+          <a:p>
+            <a:pPr algn="ctr"/>
+            <a:endParaRPr lang="en-US" sz="1600" dirty="0"/>
+          </a:p>
+        </p:txBody>
+      </p:sp>
+      <p:sp>
+        <p:nvSpPr>
+          <p:cNvPr id="32" name="Textfeld 31">
+            <a:extLst>
+              <a:ext uri="{FF2B5EF4-FFF2-40B4-BE49-F238E27FC236}">
+                <a16:creationId xmlns:a16="http://schemas.microsoft.com/office/drawing/2014/main" id="{9C938DBD-0AD3-4C38-A4D3-E7E663A1D2B1}"/>
+              </a:ext>
+            </a:extLst>
+          </p:cNvPr>
+          <p:cNvSpPr txBox="1"/>
+          <p:nvPr/>
+        </p:nvSpPr>
+        <p:spPr>
+          <a:xfrm>
+            <a:off x="1929653" y="3484528"/>
+            <a:ext cx="6178924" cy="268279"/>
+          </a:xfrm>
+          <a:prstGeom prst="rect">
+            <a:avLst/>
+          </a:prstGeom>
+          <a:noFill/>
+        </p:spPr>
+        <p:txBody>
+          <a:bodyPr wrap="square" lIns="0" tIns="0" rIns="0" bIns="0" rtlCol="0">
+            <a:spAutoFit/>
+          </a:bodyPr>
+          <a:lstStyle/>
+          <a:p>
+            <a:pPr>
+              <a:lnSpc>
+                <a:spcPct val="120000"/>
+              </a:lnSpc>
+              <a:spcBef>
+                <a:spcPts val="750"/>
+              </a:spcBef>
+              <a:buClr>
+                <a:schemeClr val="accent1"/>
+              </a:buClr>
+            </a:pPr>
+            <a:r>
+              <a:rPr lang="en-US" sz="1600" dirty="0"/>
+              <a:t>Finalization of the code and README file</a:t>
+            </a:r>
+          </a:p>
+        </p:txBody>
+      </p:sp>
+      <p:sp>
+        <p:nvSpPr>
+          <p:cNvPr id="33" name="Textfeld 32">
+            <a:extLst>
+              <a:ext uri="{FF2B5EF4-FFF2-40B4-BE49-F238E27FC236}">
+                <a16:creationId xmlns:a16="http://schemas.microsoft.com/office/drawing/2014/main" id="{519AE384-462D-43E5-9184-4F692733632B}"/>
+              </a:ext>
+            </a:extLst>
+          </p:cNvPr>
+          <p:cNvSpPr txBox="1"/>
+          <p:nvPr/>
+        </p:nvSpPr>
+        <p:spPr>
+          <a:xfrm>
+            <a:off x="806824" y="4098851"/>
+            <a:ext cx="1021976" cy="296819"/>
+          </a:xfrm>
+          <a:prstGeom prst="roundRect">
+            <a:avLst/>
+          </a:prstGeom>
+          <a:solidFill>
+            <a:schemeClr val="accent2"/>
+          </a:solidFill>
+        </p:spPr>
+        <p:txBody>
+          <a:bodyPr wrap="square" lIns="0" tIns="0" rIns="0" bIns="0" rtlCol="0">
+            <a:spAutoFit/>
+          </a:bodyPr>
+          <a:lstStyle/>
+          <a:p>
+            <a:pPr algn="ctr">
+              <a:lnSpc>
+                <a:spcPct val="120000"/>
+              </a:lnSpc>
+              <a:spcBef>
+                <a:spcPts val="750"/>
+              </a:spcBef>
+              <a:buClr>
+                <a:schemeClr val="accent1"/>
+              </a:buClr>
+            </a:pPr>
+            <a:r>
+              <a:rPr lang="en-US" sz="1600" dirty="0">
+                <a:solidFill>
+                  <a:schemeClr val="bg1"/>
+                </a:solidFill>
+              </a:rPr>
+              <a:t>Week 7</a:t>
+            </a:r>
+          </a:p>
+        </p:txBody>
+      </p:sp>
+      <p:sp>
+        <p:nvSpPr>
+          <p:cNvPr id="34" name="Pfeil: nach rechts 33">
+            <a:extLst>
+              <a:ext uri="{FF2B5EF4-FFF2-40B4-BE49-F238E27FC236}">
+                <a16:creationId xmlns:a16="http://schemas.microsoft.com/office/drawing/2014/main" id="{1274A2BB-3395-4A1E-8506-8E400C31769A}"/>
+              </a:ext>
+            </a:extLst>
+          </p:cNvPr>
+          <p:cNvSpPr/>
+          <p:nvPr/>
+        </p:nvSpPr>
+        <p:spPr>
+          <a:xfrm>
+            <a:off x="1652756" y="4011384"/>
+            <a:ext cx="6836244" cy="471752"/>
+          </a:xfrm>
+          <a:prstGeom prst="rightArrow">
+            <a:avLst>
+              <a:gd name="adj1" fmla="val 100000"/>
+              <a:gd name="adj2" fmla="val 48148"/>
+            </a:avLst>
+          </a:prstGeom>
+          <a:noFill/>
+          <a:ln>
+            <a:solidFill>
+              <a:schemeClr val="accent2"/>
+            </a:solidFill>
+          </a:ln>
+        </p:spPr>
+        <p:style>
+          <a:lnRef idx="2">
+            <a:schemeClr val="accent1">
+              <a:shade val="50000"/>
+            </a:schemeClr>
+          </a:lnRef>
+          <a:fillRef idx="1">
+            <a:schemeClr val="accent1"/>
+          </a:fillRef>
+          <a:effectRef idx="0">
+            <a:schemeClr val="accent1"/>
+          </a:effectRef>
+          <a:fontRef idx="minor">
+            <a:schemeClr val="lt1"/>
+          </a:fontRef>
+        </p:style>
+        <p:txBody>
+          <a:bodyPr rtlCol="0" anchor="ctr"/>
+          <a:lstStyle/>
+          <a:p>
+            <a:pPr algn="ctr"/>
+            <a:endParaRPr lang="en-US" sz="1600" dirty="0"/>
+          </a:p>
+        </p:txBody>
+      </p:sp>
+      <p:sp>
+        <p:nvSpPr>
+          <p:cNvPr id="35" name="Textfeld 34">
+            <a:extLst>
+              <a:ext uri="{FF2B5EF4-FFF2-40B4-BE49-F238E27FC236}">
+                <a16:creationId xmlns:a16="http://schemas.microsoft.com/office/drawing/2014/main" id="{665E9FB7-2458-4B79-A5F8-63328A1CA4A5}"/>
+              </a:ext>
+            </a:extLst>
+          </p:cNvPr>
+          <p:cNvSpPr txBox="1"/>
+          <p:nvPr/>
+        </p:nvSpPr>
+        <p:spPr>
+          <a:xfrm>
+            <a:off x="1929653" y="4092128"/>
+            <a:ext cx="6178924" cy="268279"/>
+          </a:xfrm>
+          <a:prstGeom prst="rect">
+            <a:avLst/>
+          </a:prstGeom>
+          <a:noFill/>
+        </p:spPr>
+        <p:txBody>
+          <a:bodyPr wrap="square" lIns="0" tIns="0" rIns="0" bIns="0" rtlCol="0">
+            <a:spAutoFit/>
+          </a:bodyPr>
+          <a:lstStyle/>
+          <a:p>
+            <a:pPr>
+              <a:lnSpc>
+                <a:spcPct val="120000"/>
+              </a:lnSpc>
+              <a:spcBef>
+                <a:spcPts val="750"/>
+              </a:spcBef>
+              <a:buClr>
+                <a:schemeClr val="accent1"/>
+              </a:buClr>
+            </a:pPr>
+            <a:r>
+              <a:rPr lang="en-US" sz="1600" dirty="0"/>
+              <a:t>Final check and correction</a:t>
+            </a:r>
           </a:p>
         </p:txBody>
       </p:sp>
@@ -17392,68 +18377,9 @@
           <a:lstStyle/>
           <a:p>
             <a:r>
-              <a:rPr lang="de-DE" dirty="0" err="1"/>
-              <a:t>Resource</a:t>
-            </a:r>
-            <a:r>
-              <a:rPr lang="de-DE" dirty="0"/>
-              <a:t> </a:t>
-            </a:r>
-            <a:r>
-              <a:rPr lang="de-DE" dirty="0" err="1"/>
-              <a:t>Allocation</a:t>
-            </a:r>
-            <a:endParaRPr lang="de-DE" dirty="0"/>
-          </a:p>
-        </p:txBody>
-      </p:sp>
-      <p:sp>
-        <p:nvSpPr>
-          <p:cNvPr id="8" name="Textplatzhalter 7">
-            <a:extLst>
-              <a:ext uri="{FF2B5EF4-FFF2-40B4-BE49-F238E27FC236}">
-                <a16:creationId xmlns:a16="http://schemas.microsoft.com/office/drawing/2014/main" id="{EB120D2D-07BD-4168-8366-CAC30F512731}"/>
-              </a:ext>
-            </a:extLst>
-          </p:cNvPr>
-          <p:cNvSpPr>
-            <a:spLocks noGrp="1"/>
-          </p:cNvSpPr>
-          <p:nvPr>
-            <p:ph type="body" sz="quarter" idx="13"/>
-          </p:nvPr>
-        </p:nvSpPr>
-        <p:spPr/>
-        <p:txBody>
-          <a:bodyPr/>
-          <a:lstStyle/>
-          <a:p>
-            <a:endParaRPr lang="de-DE"/>
-          </a:p>
-        </p:txBody>
-      </p:sp>
-      <p:sp>
-        <p:nvSpPr>
-          <p:cNvPr id="7" name="Inhaltsplatzhalter 6">
-            <a:extLst>
-              <a:ext uri="{FF2B5EF4-FFF2-40B4-BE49-F238E27FC236}">
-                <a16:creationId xmlns:a16="http://schemas.microsoft.com/office/drawing/2014/main" id="{F08191B6-772D-4CD3-ADA6-ABE61BA1B6CF}"/>
-              </a:ext>
-            </a:extLst>
-          </p:cNvPr>
-          <p:cNvSpPr>
-            <a:spLocks noGrp="1"/>
-          </p:cNvSpPr>
-          <p:nvPr>
-            <p:ph idx="1"/>
-          </p:nvPr>
-        </p:nvSpPr>
-        <p:spPr/>
-        <p:txBody>
-          <a:bodyPr/>
-          <a:lstStyle/>
-          <a:p>
-            <a:endParaRPr lang="de-DE"/>
+              <a:rPr lang="en-US"/>
+              <a:t>Resource Allocation</a:t>
+            </a:r>
           </a:p>
         </p:txBody>
       </p:sp>
@@ -17545,198 +18471,723 @@
           </a:p>
         </p:txBody>
       </p:sp>
-      <p:sp>
-        <p:nvSpPr>
-          <p:cNvPr id="9" name="Textfeld 8">
-            <a:extLst>
-              <a:ext uri="{FF2B5EF4-FFF2-40B4-BE49-F238E27FC236}">
-                <a16:creationId xmlns:a16="http://schemas.microsoft.com/office/drawing/2014/main" id="{3A04C230-5060-40F5-82E7-E30DDB69B2AF}"/>
-              </a:ext>
-            </a:extLst>
-          </p:cNvPr>
-          <p:cNvSpPr txBox="1"/>
+      <p:grpSp>
+        <p:nvGrpSpPr>
+          <p:cNvPr id="28" name="Gruppieren 27">
+            <a:extLst>
+              <a:ext uri="{FF2B5EF4-FFF2-40B4-BE49-F238E27FC236}">
+                <a16:creationId xmlns:a16="http://schemas.microsoft.com/office/drawing/2014/main" id="{8416A163-AFDF-45A1-A396-FEFEB1D9FD7E}"/>
+              </a:ext>
+            </a:extLst>
+          </p:cNvPr>
+          <p:cNvGrpSpPr/>
           <p:nvPr/>
-        </p:nvSpPr>
-        <p:spPr>
-          <a:xfrm>
-            <a:off x="7562155" y="1408309"/>
-            <a:ext cx="1014517" cy="859210"/>
-          </a:xfrm>
-          <a:prstGeom prst="rect">
-            <a:avLst/>
-          </a:prstGeom>
-          <a:noFill/>
-        </p:spPr>
-        <p:txBody>
-          <a:bodyPr wrap="square" lIns="0" tIns="0" rIns="0" bIns="0" rtlCol="0">
-            <a:spAutoFit/>
-          </a:bodyPr>
-          <a:lstStyle/>
-          <a:p>
-            <a:pPr>
-              <a:lnSpc>
-                <a:spcPct val="120000"/>
-              </a:lnSpc>
-              <a:spcBef>
-                <a:spcPts val="750"/>
-              </a:spcBef>
-              <a:buClr>
+        </p:nvGrpSpPr>
+        <p:grpSpPr>
+          <a:xfrm>
+            <a:off x="720673" y="896988"/>
+            <a:ext cx="3321592" cy="1591023"/>
+            <a:chOff x="856800" y="1140030"/>
+            <a:chExt cx="3321592" cy="1591023"/>
+          </a:xfrm>
+        </p:grpSpPr>
+        <p:grpSp>
+          <p:nvGrpSpPr>
+            <p:cNvPr id="25" name="Gruppieren 24">
+              <a:extLst>
+                <a:ext uri="{FF2B5EF4-FFF2-40B4-BE49-F238E27FC236}">
+                  <a16:creationId xmlns:a16="http://schemas.microsoft.com/office/drawing/2014/main" id="{3A8C5D0A-5CB3-416B-A294-548EA108103C}"/>
+                </a:ext>
+              </a:extLst>
+            </p:cNvPr>
+            <p:cNvGrpSpPr/>
+            <p:nvPr/>
+          </p:nvGrpSpPr>
+          <p:grpSpPr>
+            <a:xfrm>
+              <a:off x="856800" y="1300524"/>
+              <a:ext cx="3321592" cy="1430529"/>
+              <a:chOff x="564776" y="1300525"/>
+              <a:chExt cx="3321592" cy="1430529"/>
+            </a:xfrm>
+          </p:grpSpPr>
+          <p:sp>
+            <p:nvSpPr>
+              <p:cNvPr id="16" name="Textfeld 15">
+                <a:extLst>
+                  <a:ext uri="{FF2B5EF4-FFF2-40B4-BE49-F238E27FC236}">
+                    <a16:creationId xmlns:a16="http://schemas.microsoft.com/office/drawing/2014/main" id="{4CFFDE1E-C95A-4A75-909E-3C9D0C7CDAAF}"/>
+                  </a:ext>
+                </a:extLst>
+              </p:cNvPr>
+              <p:cNvSpPr txBox="1"/>
+              <p:nvPr/>
+            </p:nvSpPr>
+            <p:spPr>
+              <a:xfrm>
+                <a:off x="696949" y="1682621"/>
+                <a:ext cx="3189419" cy="666336"/>
+              </a:xfrm>
+              <a:prstGeom prst="rect">
+                <a:avLst/>
+              </a:prstGeom>
+              <a:noFill/>
+              <a:ln>
+                <a:noFill/>
+              </a:ln>
+            </p:spPr>
+            <p:txBody>
+              <a:bodyPr wrap="square" lIns="0" tIns="0" rIns="0" bIns="0" rtlCol="0">
+                <a:spAutoFit/>
+              </a:bodyPr>
+              <a:lstStyle/>
+              <a:p>
+                <a:pPr marL="285750" indent="-285750" algn="just">
+                  <a:lnSpc>
+                    <a:spcPct val="120000"/>
+                  </a:lnSpc>
+                  <a:spcBef>
+                    <a:spcPts val="750"/>
+                  </a:spcBef>
+                  <a:buClr>
+                    <a:schemeClr val="accent2">
+                      <a:lumMod val="60000"/>
+                      <a:lumOff val="40000"/>
+                    </a:schemeClr>
+                  </a:buClr>
+                  <a:buFont typeface="Symbol" panose="05050102010706020507" pitchFamily="18" charset="2"/>
+                  <a:buChar char=""/>
+                </a:pPr>
+                <a:r>
+                  <a:rPr lang="en-US" sz="1600" dirty="0"/>
+                  <a:t>Statistical Analyzer Class</a:t>
+                </a:r>
+              </a:p>
+              <a:p>
+                <a:pPr marL="285750" indent="-285750" algn="just">
+                  <a:lnSpc>
+                    <a:spcPct val="120000"/>
+                  </a:lnSpc>
+                  <a:spcBef>
+                    <a:spcPts val="750"/>
+                  </a:spcBef>
+                  <a:buClr>
+                    <a:schemeClr val="accent2">
+                      <a:lumMod val="60000"/>
+                      <a:lumOff val="40000"/>
+                    </a:schemeClr>
+                  </a:buClr>
+                  <a:buFont typeface="Symbol" panose="05050102010706020507" pitchFamily="18" charset="2"/>
+                  <a:buChar char=""/>
+                </a:pPr>
+                <a:r>
+                  <a:rPr lang="en-US" sz="1600" dirty="0"/>
+                  <a:t>Class MainApplication (GUI)</a:t>
+                </a:r>
+              </a:p>
+            </p:txBody>
+          </p:sp>
+          <p:sp>
+            <p:nvSpPr>
+              <p:cNvPr id="20" name="Rechteck: abgerundete Ecken 19">
+                <a:extLst>
+                  <a:ext uri="{FF2B5EF4-FFF2-40B4-BE49-F238E27FC236}">
+                    <a16:creationId xmlns:a16="http://schemas.microsoft.com/office/drawing/2014/main" id="{A8D85897-9EB3-477E-BA64-63E9DB296718}"/>
+                  </a:ext>
+                </a:extLst>
+              </p:cNvPr>
+              <p:cNvSpPr/>
+              <p:nvPr/>
+            </p:nvSpPr>
+            <p:spPr>
+              <a:xfrm>
+                <a:off x="564776" y="1300525"/>
+                <a:ext cx="3136222" cy="1430529"/>
+              </a:xfrm>
+              <a:prstGeom prst="roundRect">
+                <a:avLst/>
+              </a:prstGeom>
+              <a:noFill/>
+              <a:ln>
+                <a:solidFill>
+                  <a:schemeClr val="accent2">
+                    <a:lumMod val="60000"/>
+                    <a:lumOff val="40000"/>
+                  </a:schemeClr>
+                </a:solidFill>
+              </a:ln>
+            </p:spPr>
+            <p:style>
+              <a:lnRef idx="2">
+                <a:schemeClr val="accent1">
+                  <a:shade val="50000"/>
+                </a:schemeClr>
+              </a:lnRef>
+              <a:fillRef idx="1">
                 <a:schemeClr val="accent1"/>
-              </a:buClr>
-            </a:pPr>
-            <a:r>
-              <a:rPr lang="en-US" sz="1600" dirty="0"/>
-              <a:t>Class Statistical Analyzer</a:t>
-            </a:r>
-          </a:p>
-        </p:txBody>
-      </p:sp>
-      <p:sp>
-        <p:nvSpPr>
-          <p:cNvPr id="10" name="Textfeld 9">
-            <a:extLst>
-              <a:ext uri="{FF2B5EF4-FFF2-40B4-BE49-F238E27FC236}">
-                <a16:creationId xmlns:a16="http://schemas.microsoft.com/office/drawing/2014/main" id="{8B07FD04-0BD8-4C43-81AB-21BF571EBDB4}"/>
-              </a:ext>
-            </a:extLst>
-          </p:cNvPr>
-          <p:cNvSpPr txBox="1"/>
+              </a:fillRef>
+              <a:effectRef idx="0">
+                <a:schemeClr val="accent1"/>
+              </a:effectRef>
+              <a:fontRef idx="minor">
+                <a:schemeClr val="lt1"/>
+              </a:fontRef>
+            </p:style>
+            <p:txBody>
+              <a:bodyPr rtlCol="0" anchor="ctr"/>
+              <a:lstStyle/>
+              <a:p>
+                <a:pPr algn="ctr"/>
+                <a:endParaRPr lang="en-US" sz="1600" dirty="0"/>
+              </a:p>
+            </p:txBody>
+          </p:sp>
+        </p:grpSp>
+        <p:sp>
+          <p:nvSpPr>
+            <p:cNvPr id="26" name="Textfeld 25">
+              <a:extLst>
+                <a:ext uri="{FF2B5EF4-FFF2-40B4-BE49-F238E27FC236}">
+                  <a16:creationId xmlns:a16="http://schemas.microsoft.com/office/drawing/2014/main" id="{13EF8425-43B0-4C67-BE9C-DB62DCF69E20}"/>
+                </a:ext>
+              </a:extLst>
+            </p:cNvPr>
+            <p:cNvSpPr txBox="1"/>
+            <p:nvPr/>
+          </p:nvSpPr>
+          <p:spPr>
+            <a:xfrm>
+              <a:off x="856800" y="1140030"/>
+              <a:ext cx="837529" cy="268279"/>
+            </a:xfrm>
+            <a:prstGeom prst="rect">
+              <a:avLst/>
+            </a:prstGeom>
+            <a:solidFill>
+              <a:schemeClr val="bg1"/>
+            </a:solidFill>
+          </p:spPr>
+          <p:txBody>
+            <a:bodyPr wrap="square" lIns="0" tIns="0" rIns="0" bIns="0" rtlCol="0">
+              <a:spAutoFit/>
+            </a:bodyPr>
+            <a:lstStyle/>
+            <a:p>
+              <a:pPr algn="ctr">
+                <a:lnSpc>
+                  <a:spcPct val="120000"/>
+                </a:lnSpc>
+                <a:spcBef>
+                  <a:spcPts val="750"/>
+                </a:spcBef>
+                <a:buClr>
+                  <a:schemeClr val="accent1"/>
+                </a:buClr>
+              </a:pPr>
+              <a:r>
+                <a:rPr lang="en-US" sz="1600" dirty="0">
+                  <a:solidFill>
+                    <a:schemeClr val="accent2">
+                      <a:lumMod val="60000"/>
+                      <a:lumOff val="40000"/>
+                    </a:schemeClr>
+                  </a:solidFill>
+                </a:rPr>
+                <a:t>Beatriz</a:t>
+              </a:r>
+            </a:p>
+          </p:txBody>
+        </p:sp>
+      </p:grpSp>
+      <p:grpSp>
+        <p:nvGrpSpPr>
+          <p:cNvPr id="29" name="Gruppieren 28">
+            <a:extLst>
+              <a:ext uri="{FF2B5EF4-FFF2-40B4-BE49-F238E27FC236}">
+                <a16:creationId xmlns:a16="http://schemas.microsoft.com/office/drawing/2014/main" id="{E1F12B70-EAA3-4573-A32C-E1475D849E53}"/>
+              </a:ext>
+            </a:extLst>
+          </p:cNvPr>
+          <p:cNvGrpSpPr/>
           <p:nvPr/>
-        </p:nvSpPr>
-        <p:spPr>
-          <a:xfrm>
-            <a:off x="7601624" y="2682798"/>
-            <a:ext cx="1014517" cy="859210"/>
-          </a:xfrm>
-          <a:prstGeom prst="rect">
-            <a:avLst/>
-          </a:prstGeom>
-          <a:noFill/>
-        </p:spPr>
-        <p:txBody>
-          <a:bodyPr wrap="square" lIns="0" tIns="0" rIns="0" bIns="0" rtlCol="0">
-            <a:spAutoFit/>
-          </a:bodyPr>
-          <a:lstStyle/>
-          <a:p>
-            <a:pPr>
-              <a:lnSpc>
-                <a:spcPct val="120000"/>
-              </a:lnSpc>
-              <a:spcBef>
-                <a:spcPts val="750"/>
-              </a:spcBef>
-              <a:buClr>
+        </p:nvGrpSpPr>
+        <p:grpSpPr>
+          <a:xfrm>
+            <a:off x="4713800" y="885968"/>
+            <a:ext cx="3775200" cy="1650568"/>
+            <a:chOff x="4458306" y="1113464"/>
+            <a:chExt cx="3775200" cy="1650568"/>
+          </a:xfrm>
+        </p:grpSpPr>
+        <p:grpSp>
+          <p:nvGrpSpPr>
+            <p:cNvPr id="24" name="Gruppieren 23">
+              <a:extLst>
+                <a:ext uri="{FF2B5EF4-FFF2-40B4-BE49-F238E27FC236}">
+                  <a16:creationId xmlns:a16="http://schemas.microsoft.com/office/drawing/2014/main" id="{BAE959DE-9A71-40E2-8404-4F83F0431F42}"/>
+                </a:ext>
+              </a:extLst>
+            </p:cNvPr>
+            <p:cNvGrpSpPr/>
+            <p:nvPr/>
+          </p:nvGrpSpPr>
+          <p:grpSpPr>
+            <a:xfrm>
+              <a:off x="4458306" y="1267292"/>
+              <a:ext cx="3775200" cy="1496740"/>
+              <a:chOff x="3329761" y="1267292"/>
+              <a:chExt cx="3775200" cy="1496740"/>
+            </a:xfrm>
+          </p:grpSpPr>
+          <p:sp>
+            <p:nvSpPr>
+              <p:cNvPr id="18" name="Textfeld 17">
+                <a:extLst>
+                  <a:ext uri="{FF2B5EF4-FFF2-40B4-BE49-F238E27FC236}">
+                    <a16:creationId xmlns:a16="http://schemas.microsoft.com/office/drawing/2014/main" id="{C94CF99D-D521-4D5A-9BCF-3541B9BF3D5E}"/>
+                  </a:ext>
+                </a:extLst>
+              </p:cNvPr>
+              <p:cNvSpPr txBox="1"/>
+              <p:nvPr/>
+            </p:nvSpPr>
+            <p:spPr>
+              <a:xfrm>
+                <a:off x="3329761" y="1267292"/>
+                <a:ext cx="3775200" cy="1496740"/>
+              </a:xfrm>
+              <a:prstGeom prst="ellipse">
+                <a:avLst/>
+              </a:prstGeom>
+              <a:noFill/>
+              <a:ln>
+                <a:noFill/>
+              </a:ln>
+            </p:spPr>
+            <p:txBody>
+              <a:bodyPr wrap="square" lIns="0" tIns="0" rIns="0" bIns="0" rtlCol="0">
+                <a:spAutoFit/>
+              </a:bodyPr>
+              <a:lstStyle/>
+              <a:p>
+                <a:pPr marL="285750" indent="-285750" algn="just">
+                  <a:lnSpc>
+                    <a:spcPct val="120000"/>
+                  </a:lnSpc>
+                  <a:spcBef>
+                    <a:spcPts val="750"/>
+                  </a:spcBef>
+                  <a:buClr>
+                    <a:srgbClr val="00B050"/>
+                  </a:buClr>
+                  <a:buFont typeface="Symbol" panose="05050102010706020507" pitchFamily="18" charset="2"/>
+                  <a:buChar char=""/>
+                </a:pPr>
+                <a:r>
+                  <a:rPr lang="en-US" sz="1600" dirty="0"/>
+                  <a:t>Static Plotter Class</a:t>
+                </a:r>
+              </a:p>
+              <a:p>
+                <a:pPr marL="285750" indent="-285750" algn="just">
+                  <a:lnSpc>
+                    <a:spcPct val="120000"/>
+                  </a:lnSpc>
+                  <a:spcBef>
+                    <a:spcPts val="750"/>
+                  </a:spcBef>
+                  <a:buClr>
+                    <a:srgbClr val="00B050"/>
+                  </a:buClr>
+                  <a:buFont typeface="Symbol" panose="05050102010706020507" pitchFamily="18" charset="2"/>
+                  <a:buChar char=""/>
+                </a:pPr>
+                <a:r>
+                  <a:rPr lang="en-US" sz="1600" dirty="0"/>
+                  <a:t>Interactive Plotter Class</a:t>
+                </a:r>
+              </a:p>
+              <a:p>
+                <a:pPr marL="285750" indent="-285750" algn="just">
+                  <a:lnSpc>
+                    <a:spcPct val="120000"/>
+                  </a:lnSpc>
+                  <a:spcBef>
+                    <a:spcPts val="750"/>
+                  </a:spcBef>
+                  <a:buClr>
+                    <a:srgbClr val="00B050"/>
+                  </a:buClr>
+                  <a:buFont typeface="Symbol" panose="05050102010706020507" pitchFamily="18" charset="2"/>
+                  <a:buChar char=""/>
+                </a:pPr>
+                <a:r>
+                  <a:rPr lang="en-US" sz="1600" dirty="0"/>
+                  <a:t>Main Script</a:t>
+                </a:r>
+              </a:p>
+            </p:txBody>
+          </p:sp>
+          <p:sp>
+            <p:nvSpPr>
+              <p:cNvPr id="23" name="Rechteck: abgerundete Ecken 22">
+                <a:extLst>
+                  <a:ext uri="{FF2B5EF4-FFF2-40B4-BE49-F238E27FC236}">
+                    <a16:creationId xmlns:a16="http://schemas.microsoft.com/office/drawing/2014/main" id="{5862ADEB-C3A4-48C3-B513-A08FF77001BC}"/>
+                  </a:ext>
+                </a:extLst>
+              </p:cNvPr>
+              <p:cNvSpPr/>
+              <p:nvPr/>
+            </p:nvSpPr>
+            <p:spPr>
+              <a:xfrm>
+                <a:off x="3702944" y="1290617"/>
+                <a:ext cx="3136222" cy="1430529"/>
+              </a:xfrm>
+              <a:prstGeom prst="roundRect">
+                <a:avLst/>
+              </a:prstGeom>
+              <a:noFill/>
+              <a:ln>
+                <a:solidFill>
+                  <a:srgbClr val="00B050"/>
+                </a:solidFill>
+              </a:ln>
+            </p:spPr>
+            <p:style>
+              <a:lnRef idx="2">
+                <a:schemeClr val="accent1">
+                  <a:shade val="50000"/>
+                </a:schemeClr>
+              </a:lnRef>
+              <a:fillRef idx="1">
                 <a:schemeClr val="accent1"/>
-              </a:buClr>
-            </a:pPr>
-            <a:r>
-              <a:rPr lang="en-US" sz="1600" dirty="0"/>
-              <a:t>Class Static Plotter</a:t>
-            </a:r>
-          </a:p>
-        </p:txBody>
-      </p:sp>
-      <p:sp>
-        <p:nvSpPr>
-          <p:cNvPr id="11" name="Textfeld 10">
-            <a:extLst>
-              <a:ext uri="{FF2B5EF4-FFF2-40B4-BE49-F238E27FC236}">
-                <a16:creationId xmlns:a16="http://schemas.microsoft.com/office/drawing/2014/main" id="{64E432EB-1D27-46A0-8039-21A6AE23C6C2}"/>
-              </a:ext>
-            </a:extLst>
-          </p:cNvPr>
-          <p:cNvSpPr txBox="1"/>
+              </a:fillRef>
+              <a:effectRef idx="0">
+                <a:schemeClr val="accent1"/>
+              </a:effectRef>
+              <a:fontRef idx="minor">
+                <a:schemeClr val="lt1"/>
+              </a:fontRef>
+            </p:style>
+            <p:txBody>
+              <a:bodyPr rtlCol="0" anchor="ctr"/>
+              <a:lstStyle/>
+              <a:p>
+                <a:pPr algn="ctr"/>
+                <a:endParaRPr lang="en-US" sz="1600" dirty="0"/>
+              </a:p>
+            </p:txBody>
+          </p:sp>
+        </p:grpSp>
+        <p:sp>
+          <p:nvSpPr>
+            <p:cNvPr id="27" name="Textfeld 26">
+              <a:extLst>
+                <a:ext uri="{FF2B5EF4-FFF2-40B4-BE49-F238E27FC236}">
+                  <a16:creationId xmlns:a16="http://schemas.microsoft.com/office/drawing/2014/main" id="{A302C9AA-D8E7-4A3E-AFDF-C6F4BF8ACDFC}"/>
+                </a:ext>
+              </a:extLst>
+            </p:cNvPr>
+            <p:cNvSpPr txBox="1"/>
+            <p:nvPr/>
+          </p:nvSpPr>
+          <p:spPr>
+            <a:xfrm>
+              <a:off x="4915570" y="1113464"/>
+              <a:ext cx="837529" cy="268279"/>
+            </a:xfrm>
+            <a:prstGeom prst="rect">
+              <a:avLst/>
+            </a:prstGeom>
+            <a:solidFill>
+              <a:schemeClr val="bg1"/>
+            </a:solidFill>
+          </p:spPr>
+          <p:txBody>
+            <a:bodyPr wrap="square" lIns="0" tIns="0" rIns="0" bIns="0" rtlCol="0">
+              <a:spAutoFit/>
+            </a:bodyPr>
+            <a:lstStyle/>
+            <a:p>
+              <a:pPr algn="ctr">
+                <a:lnSpc>
+                  <a:spcPct val="120000"/>
+                </a:lnSpc>
+                <a:spcBef>
+                  <a:spcPts val="750"/>
+                </a:spcBef>
+                <a:buClr>
+                  <a:schemeClr val="accent1"/>
+                </a:buClr>
+              </a:pPr>
+              <a:r>
+                <a:rPr lang="en-US" sz="1600" dirty="0">
+                  <a:solidFill>
+                    <a:srgbClr val="00B050"/>
+                  </a:solidFill>
+                </a:rPr>
+                <a:t>Federica</a:t>
+              </a:r>
+            </a:p>
+          </p:txBody>
+        </p:sp>
+      </p:grpSp>
+      <p:grpSp>
+        <p:nvGrpSpPr>
+          <p:cNvPr id="30" name="Gruppieren 29">
+            <a:extLst>
+              <a:ext uri="{FF2B5EF4-FFF2-40B4-BE49-F238E27FC236}">
+                <a16:creationId xmlns:a16="http://schemas.microsoft.com/office/drawing/2014/main" id="{51A52200-C6E4-4652-AD40-F41C0AB30B17}"/>
+              </a:ext>
+            </a:extLst>
+          </p:cNvPr>
+          <p:cNvGrpSpPr/>
           <p:nvPr/>
-        </p:nvSpPr>
-        <p:spPr>
-          <a:xfrm>
-            <a:off x="7601624" y="3849411"/>
-            <a:ext cx="1014517" cy="859210"/>
-          </a:xfrm>
-          <a:prstGeom prst="rect">
-            <a:avLst/>
-          </a:prstGeom>
-          <a:noFill/>
-        </p:spPr>
-        <p:txBody>
-          <a:bodyPr wrap="square" lIns="0" tIns="0" rIns="0" bIns="0" rtlCol="0">
-            <a:spAutoFit/>
-          </a:bodyPr>
-          <a:lstStyle/>
-          <a:p>
-            <a:pPr>
-              <a:lnSpc>
-                <a:spcPct val="120000"/>
-              </a:lnSpc>
-              <a:spcBef>
-                <a:spcPts val="750"/>
-              </a:spcBef>
-              <a:buClr>
+        </p:nvGrpSpPr>
+        <p:grpSpPr>
+          <a:xfrm>
+            <a:off x="2614762" y="2685770"/>
+            <a:ext cx="3880822" cy="2074649"/>
+            <a:chOff x="856800" y="1140030"/>
+            <a:chExt cx="3880822" cy="2074649"/>
+          </a:xfrm>
+        </p:grpSpPr>
+        <p:grpSp>
+          <p:nvGrpSpPr>
+            <p:cNvPr id="31" name="Gruppieren 30">
+              <a:extLst>
+                <a:ext uri="{FF2B5EF4-FFF2-40B4-BE49-F238E27FC236}">
+                  <a16:creationId xmlns:a16="http://schemas.microsoft.com/office/drawing/2014/main" id="{7D5CC2D5-F924-4D76-B525-7CA3A781F100}"/>
+                </a:ext>
+              </a:extLst>
+            </p:cNvPr>
+            <p:cNvGrpSpPr/>
+            <p:nvPr/>
+          </p:nvGrpSpPr>
+          <p:grpSpPr>
+            <a:xfrm>
+              <a:off x="856800" y="1300524"/>
+              <a:ext cx="3880822" cy="1914155"/>
+              <a:chOff x="564776" y="1300525"/>
+              <a:chExt cx="3880822" cy="1914155"/>
+            </a:xfrm>
+          </p:grpSpPr>
+          <p:sp>
+            <p:nvSpPr>
+              <p:cNvPr id="33" name="Textfeld 32">
+                <a:extLst>
+                  <a:ext uri="{FF2B5EF4-FFF2-40B4-BE49-F238E27FC236}">
+                    <a16:creationId xmlns:a16="http://schemas.microsoft.com/office/drawing/2014/main" id="{9D915EE6-50A8-4EE4-9FF9-13E444770262}"/>
+                  </a:ext>
+                </a:extLst>
+              </p:cNvPr>
+              <p:cNvSpPr txBox="1"/>
+              <p:nvPr/>
+            </p:nvSpPr>
+            <p:spPr>
+              <a:xfrm>
+                <a:off x="769188" y="1574895"/>
+                <a:ext cx="3189419" cy="1462452"/>
+              </a:xfrm>
+              <a:prstGeom prst="rect">
+                <a:avLst/>
+              </a:prstGeom>
+              <a:noFill/>
+              <a:ln>
+                <a:noFill/>
+              </a:ln>
+            </p:spPr>
+            <p:txBody>
+              <a:bodyPr wrap="square" lIns="0" tIns="0" rIns="0" bIns="0" rtlCol="0">
+                <a:spAutoFit/>
+              </a:bodyPr>
+              <a:lstStyle/>
+              <a:p>
+                <a:pPr marL="285750" indent="-285750" algn="just">
+                  <a:lnSpc>
+                    <a:spcPct val="120000"/>
+                  </a:lnSpc>
+                  <a:spcBef>
+                    <a:spcPts val="750"/>
+                  </a:spcBef>
+                  <a:buClr>
+                    <a:srgbClr val="FF0000"/>
+                  </a:buClr>
+                  <a:buFont typeface="Symbol" panose="05050102010706020507" pitchFamily="18" charset="2"/>
+                  <a:buChar char=""/>
+                </a:pPr>
+                <a:r>
+                  <a:rPr lang="en-US" sz="1600" dirty="0"/>
+                  <a:t>Code design</a:t>
+                </a:r>
+              </a:p>
+              <a:p>
+                <a:pPr marL="285750" indent="-285750" algn="just">
+                  <a:lnSpc>
+                    <a:spcPct val="120000"/>
+                  </a:lnSpc>
+                  <a:spcBef>
+                    <a:spcPts val="750"/>
+                  </a:spcBef>
+                  <a:buClr>
+                    <a:srgbClr val="FF0000"/>
+                  </a:buClr>
+                  <a:buFont typeface="Symbol" panose="05050102010706020507" pitchFamily="18" charset="2"/>
+                  <a:buChar char=""/>
+                </a:pPr>
+                <a:r>
+                  <a:rPr lang="en-US" sz="1600" dirty="0"/>
+                  <a:t>README file</a:t>
+                </a:r>
+              </a:p>
+              <a:p>
+                <a:pPr marL="285750" indent="-285750" algn="just">
+                  <a:lnSpc>
+                    <a:spcPct val="120000"/>
+                  </a:lnSpc>
+                  <a:spcBef>
+                    <a:spcPts val="750"/>
+                  </a:spcBef>
+                  <a:buClr>
+                    <a:srgbClr val="FF0000"/>
+                  </a:buClr>
+                  <a:buFont typeface="Symbol" panose="05050102010706020507" pitchFamily="18" charset="2"/>
+                  <a:buChar char=""/>
+                </a:pPr>
+                <a:r>
+                  <a:rPr lang="en-US" sz="1600" dirty="0"/>
+                  <a:t>Presentation</a:t>
+                </a:r>
+              </a:p>
+              <a:p>
+                <a:pPr marL="285750" indent="-285750" algn="just">
+                  <a:lnSpc>
+                    <a:spcPct val="120000"/>
+                  </a:lnSpc>
+                  <a:spcBef>
+                    <a:spcPts val="750"/>
+                  </a:spcBef>
+                  <a:buClr>
+                    <a:srgbClr val="FF0000"/>
+                  </a:buClr>
+                  <a:buFont typeface="Symbol" panose="05050102010706020507" pitchFamily="18" charset="2"/>
+                  <a:buChar char=""/>
+                </a:pPr>
+                <a:r>
+                  <a:rPr lang="en-US" sz="1600" dirty="0"/>
+                  <a:t>Class MainApplication (GUI)</a:t>
+                </a:r>
+              </a:p>
+            </p:txBody>
+          </p:sp>
+          <p:sp>
+            <p:nvSpPr>
+              <p:cNvPr id="34" name="Rechteck: abgerundete Ecken 33">
+                <a:extLst>
+                  <a:ext uri="{FF2B5EF4-FFF2-40B4-BE49-F238E27FC236}">
+                    <a16:creationId xmlns:a16="http://schemas.microsoft.com/office/drawing/2014/main" id="{B618EA4F-B57B-45E3-B320-EF771CB699E0}"/>
+                  </a:ext>
+                </a:extLst>
+              </p:cNvPr>
+              <p:cNvSpPr/>
+              <p:nvPr/>
+            </p:nvSpPr>
+            <p:spPr>
+              <a:xfrm>
+                <a:off x="564776" y="1300525"/>
+                <a:ext cx="3880822" cy="1914155"/>
+              </a:xfrm>
+              <a:prstGeom prst="roundRect">
+                <a:avLst/>
+              </a:prstGeom>
+              <a:noFill/>
+              <a:ln>
+                <a:solidFill>
+                  <a:srgbClr val="FF0000"/>
+                </a:solidFill>
+              </a:ln>
+            </p:spPr>
+            <p:style>
+              <a:lnRef idx="2">
+                <a:schemeClr val="accent1">
+                  <a:shade val="50000"/>
+                </a:schemeClr>
+              </a:lnRef>
+              <a:fillRef idx="1">
                 <a:schemeClr val="accent1"/>
-              </a:buClr>
-            </a:pPr>
-            <a:r>
-              <a:rPr lang="en-US" sz="1600" dirty="0"/>
-              <a:t>Class Interactive Plotter</a:t>
-            </a:r>
-          </a:p>
-        </p:txBody>
-      </p:sp>
-      <p:sp>
-        <p:nvSpPr>
-          <p:cNvPr id="12" name="Textfeld 11">
-            <a:extLst>
-              <a:ext uri="{FF2B5EF4-FFF2-40B4-BE49-F238E27FC236}">
-                <a16:creationId xmlns:a16="http://schemas.microsoft.com/office/drawing/2014/main" id="{FDC6F30C-E54C-4C40-8FE4-E29E78B79BD8}"/>
-              </a:ext>
-            </a:extLst>
-          </p:cNvPr>
-          <p:cNvSpPr txBox="1"/>
-          <p:nvPr/>
-        </p:nvSpPr>
-        <p:spPr>
-          <a:xfrm>
-            <a:off x="6233938" y="3063982"/>
-            <a:ext cx="1014517" cy="859210"/>
-          </a:xfrm>
-          <a:prstGeom prst="rect">
-            <a:avLst/>
-          </a:prstGeom>
-          <a:noFill/>
-        </p:spPr>
-        <p:txBody>
-          <a:bodyPr wrap="square" lIns="0" tIns="0" rIns="0" bIns="0" rtlCol="0">
-            <a:spAutoFit/>
-          </a:bodyPr>
-          <a:lstStyle/>
-          <a:p>
-            <a:pPr>
-              <a:lnSpc>
-                <a:spcPct val="120000"/>
-              </a:lnSpc>
-              <a:spcBef>
-                <a:spcPts val="750"/>
-              </a:spcBef>
-              <a:buClr>
+              </a:fillRef>
+              <a:effectRef idx="0">
                 <a:schemeClr val="accent1"/>
-              </a:buClr>
-            </a:pPr>
-            <a:r>
-              <a:rPr lang="en-US" sz="1600" dirty="0"/>
-              <a:t>Class </a:t>
-            </a:r>
-            <a:r>
-              <a:rPr lang="en-US" sz="1600" dirty="0" err="1"/>
-              <a:t>MainApplication</a:t>
-            </a:r>
-            <a:r>
-              <a:rPr lang="en-US" sz="1600" dirty="0"/>
-              <a:t> (GUI)</a:t>
-            </a:r>
-          </a:p>
-        </p:txBody>
-      </p:sp>
+              </a:effectRef>
+              <a:fontRef idx="minor">
+                <a:schemeClr val="lt1"/>
+              </a:fontRef>
+            </p:style>
+            <p:txBody>
+              <a:bodyPr rtlCol="0" anchor="ctr"/>
+              <a:lstStyle/>
+              <a:p>
+                <a:pPr algn="ctr"/>
+                <a:endParaRPr lang="en-US" sz="1600" dirty="0"/>
+              </a:p>
+            </p:txBody>
+          </p:sp>
+        </p:grpSp>
+        <p:sp>
+          <p:nvSpPr>
+            <p:cNvPr id="32" name="Textfeld 31">
+              <a:extLst>
+                <a:ext uri="{FF2B5EF4-FFF2-40B4-BE49-F238E27FC236}">
+                  <a16:creationId xmlns:a16="http://schemas.microsoft.com/office/drawing/2014/main" id="{E95912D8-48E0-49E2-998E-655F3EA70B11}"/>
+                </a:ext>
+              </a:extLst>
+            </p:cNvPr>
+            <p:cNvSpPr txBox="1"/>
+            <p:nvPr/>
+          </p:nvSpPr>
+          <p:spPr>
+            <a:xfrm>
+              <a:off x="856800" y="1140030"/>
+              <a:ext cx="837529" cy="268279"/>
+            </a:xfrm>
+            <a:prstGeom prst="rect">
+              <a:avLst/>
+            </a:prstGeom>
+            <a:solidFill>
+              <a:schemeClr val="bg1"/>
+            </a:solidFill>
+          </p:spPr>
+          <p:txBody>
+            <a:bodyPr wrap="square" lIns="0" tIns="0" rIns="0" bIns="0" rtlCol="0">
+              <a:spAutoFit/>
+            </a:bodyPr>
+            <a:lstStyle/>
+            <a:p>
+              <a:pPr algn="ctr">
+                <a:lnSpc>
+                  <a:spcPct val="120000"/>
+                </a:lnSpc>
+                <a:spcBef>
+                  <a:spcPts val="750"/>
+                </a:spcBef>
+                <a:buClr>
+                  <a:schemeClr val="accent1"/>
+                </a:buClr>
+              </a:pPr>
+              <a:r>
+                <a:rPr lang="en-US" sz="1600" dirty="0">
+                  <a:solidFill>
+                    <a:srgbClr val="FF0000"/>
+                  </a:solidFill>
+                </a:rPr>
+                <a:t>Together</a:t>
+              </a:r>
+            </a:p>
+          </p:txBody>
+        </p:sp>
+      </p:grpSp>
     </p:spTree>
     <p:extLst>
       <p:ext uri="{BB962C8B-B14F-4D97-AF65-F5344CB8AC3E}">
@@ -17767,20 +19218,48 @@
           <a:chExt cx="0" cy="0"/>
         </a:xfrm>
       </p:grpSpPr>
-      <p:sp>
-        <p:nvSpPr>
-          <p:cNvPr id="35" name="Textplatzhalter 34">
-            <a:extLst>
-              <a:ext uri="{FF2B5EF4-FFF2-40B4-BE49-F238E27FC236}">
-                <a16:creationId xmlns:a16="http://schemas.microsoft.com/office/drawing/2014/main" id="{264586CF-D06D-4EB6-82DE-D71309B302C6}"/>
-              </a:ext>
-            </a:extLst>
-          </p:cNvPr>
-          <p:cNvSpPr>
-            <a:spLocks noGrp="1"/>
-          </p:cNvSpPr>
-          <p:nvPr>
-            <p:ph type="body" sz="quarter" idx="13"/>
+      <p:pic>
+        <p:nvPicPr>
+          <p:cNvPr id="7" name="Bildplatzhalter 6">
+            <a:extLst>
+              <a:ext uri="{FF2B5EF4-FFF2-40B4-BE49-F238E27FC236}">
+                <a16:creationId xmlns:a16="http://schemas.microsoft.com/office/drawing/2014/main" id="{EADA3210-022F-4948-AB2F-72DAA02C40E7}"/>
+              </a:ext>
+            </a:extLst>
+          </p:cNvPr>
+          <p:cNvPicPr>
+            <a:picLocks noGrp="1" noChangeAspect="1"/>
+          </p:cNvPicPr>
+          <p:nvPr>
+            <p:ph type="pic" sz="quarter" idx="10"/>
+          </p:nvPr>
+        </p:nvPicPr>
+        <p:blipFill rotWithShape="1">
+          <a:blip r:embed="rId2"/>
+          <a:srcRect t="31585" b="21736"/>
+          <a:stretch/>
+        </p:blipFill>
+        <p:spPr>
+          <a:xfrm>
+            <a:off x="0" y="1942266"/>
+            <a:ext cx="9144000" cy="3201233"/>
+          </a:xfrm>
+        </p:spPr>
+      </p:pic>
+      <p:sp>
+        <p:nvSpPr>
+          <p:cNvPr id="3" name="Titel 2">
+            <a:extLst>
+              <a:ext uri="{FF2B5EF4-FFF2-40B4-BE49-F238E27FC236}">
+                <a16:creationId xmlns:a16="http://schemas.microsoft.com/office/drawing/2014/main" id="{04E3A5FD-848E-4A76-A505-F7BC035B0971}"/>
+              </a:ext>
+            </a:extLst>
+          </p:cNvPr>
+          <p:cNvSpPr>
+            <a:spLocks noGrp="1"/>
+          </p:cNvSpPr>
+          <p:nvPr>
+            <p:ph type="title"/>
           </p:nvPr>
         </p:nvSpPr>
         <p:spPr/>
@@ -17788,312 +19267,185 @@
           <a:bodyPr/>
           <a:lstStyle/>
           <a:p>
-            <a:endParaRPr lang="de-DE"/>
-          </a:p>
-        </p:txBody>
-      </p:sp>
-      <p:sp>
-        <p:nvSpPr>
-          <p:cNvPr id="36" name="Bildplatzhalter 35">
-            <a:extLst>
-              <a:ext uri="{FF2B5EF4-FFF2-40B4-BE49-F238E27FC236}">
-                <a16:creationId xmlns:a16="http://schemas.microsoft.com/office/drawing/2014/main" id="{2CD9012F-63D5-4BDD-A92A-240182ACBAB4}"/>
-              </a:ext>
-            </a:extLst>
-          </p:cNvPr>
-          <p:cNvSpPr>
-            <a:spLocks noGrp="1"/>
-          </p:cNvSpPr>
-          <p:nvPr>
-            <p:ph type="pic" sz="quarter" idx="14"/>
-          </p:nvPr>
-        </p:nvSpPr>
-        <p:spPr/>
-      </p:sp>
-      <p:sp>
-        <p:nvSpPr>
-          <p:cNvPr id="37" name="Textplatzhalter 36">
-            <a:extLst>
-              <a:ext uri="{FF2B5EF4-FFF2-40B4-BE49-F238E27FC236}">
-                <a16:creationId xmlns:a16="http://schemas.microsoft.com/office/drawing/2014/main" id="{AF08E651-5914-4EDC-B1F2-0A3F2762AE24}"/>
-              </a:ext>
-            </a:extLst>
-          </p:cNvPr>
-          <p:cNvSpPr>
-            <a:spLocks noGrp="1"/>
-          </p:cNvSpPr>
-          <p:nvPr>
-            <p:ph type="body" sz="quarter" idx="15"/>
-          </p:nvPr>
-        </p:nvSpPr>
-        <p:spPr/>
+            <a:pPr algn="ctr"/>
+            <a:r>
+              <a:rPr lang="en-US" dirty="0"/>
+              <a:t>Sediment grain size analyses based on sieving datasets</a:t>
+            </a:r>
+            <a:endParaRPr lang="de-DE" dirty="0"/>
+          </a:p>
+        </p:txBody>
+      </p:sp>
+      <p:sp>
+        <p:nvSpPr>
+          <p:cNvPr id="4" name="Untertitel 3">
+            <a:extLst>
+              <a:ext uri="{FF2B5EF4-FFF2-40B4-BE49-F238E27FC236}">
+                <a16:creationId xmlns:a16="http://schemas.microsoft.com/office/drawing/2014/main" id="{A25910D3-E398-478B-896F-7E4967C59986}"/>
+              </a:ext>
+            </a:extLst>
+          </p:cNvPr>
+          <p:cNvSpPr>
+            <a:spLocks noGrp="1"/>
+          </p:cNvSpPr>
+          <p:nvPr>
+            <p:ph type="subTitle" idx="1"/>
+          </p:nvPr>
+        </p:nvSpPr>
+        <p:spPr>
+          <a:xfrm>
+            <a:off x="5355772" y="3040687"/>
+            <a:ext cx="3012621" cy="555172"/>
+          </a:xfrm>
+        </p:spPr>
         <p:txBody>
           <a:bodyPr/>
           <a:lstStyle/>
           <a:p>
-            <a:endParaRPr lang="de-DE"/>
-          </a:p>
-        </p:txBody>
-      </p:sp>
-      <p:sp>
-        <p:nvSpPr>
-          <p:cNvPr id="43" name="Textplatzhalter 42">
-            <a:extLst>
-              <a:ext uri="{FF2B5EF4-FFF2-40B4-BE49-F238E27FC236}">
-                <a16:creationId xmlns:a16="http://schemas.microsoft.com/office/drawing/2014/main" id="{F83F0EA5-3BA8-4C74-BE60-F400C1128D26}"/>
-              </a:ext>
-            </a:extLst>
-          </p:cNvPr>
-          <p:cNvSpPr>
-            <a:spLocks noGrp="1"/>
-          </p:cNvSpPr>
-          <p:nvPr>
-            <p:ph type="body" sz="quarter" idx="31"/>
-          </p:nvPr>
-        </p:nvSpPr>
-        <p:spPr/>
+            <a:pPr algn="ctr"/>
+            <a:r>
+              <a:rPr lang="de-DE" dirty="0"/>
+              <a:t>Project Framework </a:t>
+            </a:r>
+            <a:r>
+              <a:rPr lang="de-DE" dirty="0" err="1"/>
+              <a:t>Presentation</a:t>
+            </a:r>
+            <a:endParaRPr lang="de-DE" dirty="0"/>
+          </a:p>
+          <a:p>
+            <a:pPr algn="ctr"/>
+            <a:r>
+              <a:rPr lang="de-DE" dirty="0" err="1"/>
+              <a:t>January</a:t>
+            </a:r>
+            <a:r>
+              <a:rPr lang="de-DE" dirty="0"/>
+              <a:t> 12, 2021</a:t>
+            </a:r>
+          </a:p>
+        </p:txBody>
+      </p:sp>
+      <p:sp>
+        <p:nvSpPr>
+          <p:cNvPr id="5" name="Textplatzhalter 4">
+            <a:extLst>
+              <a:ext uri="{FF2B5EF4-FFF2-40B4-BE49-F238E27FC236}">
+                <a16:creationId xmlns:a16="http://schemas.microsoft.com/office/drawing/2014/main" id="{24B4EBED-4C83-4244-9F74-8AA04E7E2347}"/>
+              </a:ext>
+            </a:extLst>
+          </p:cNvPr>
+          <p:cNvSpPr>
+            <a:spLocks noGrp="1"/>
+          </p:cNvSpPr>
+          <p:nvPr>
+            <p:ph type="body" sz="quarter" idx="11"/>
+          </p:nvPr>
+        </p:nvSpPr>
+        <p:spPr>
+          <a:xfrm>
+            <a:off x="7155013" y="3595859"/>
+            <a:ext cx="1442397" cy="1436677"/>
+          </a:xfrm>
+        </p:spPr>
         <p:txBody>
           <a:bodyPr/>
           <a:lstStyle/>
           <a:p>
-            <a:r>
-              <a:rPr lang="de-DE" dirty="0" err="1"/>
-              <a:t>e-mail</a:t>
-            </a:r>
-            <a:endParaRPr lang="de-DE" dirty="0"/>
-          </a:p>
-        </p:txBody>
-      </p:sp>
-      <p:sp>
-        <p:nvSpPr>
-          <p:cNvPr id="42" name="Textplatzhalter 41">
-            <a:extLst>
-              <a:ext uri="{FF2B5EF4-FFF2-40B4-BE49-F238E27FC236}">
-                <a16:creationId xmlns:a16="http://schemas.microsoft.com/office/drawing/2014/main" id="{AEAF7FC9-0698-4546-B769-9483679325C7}"/>
-              </a:ext>
-            </a:extLst>
-          </p:cNvPr>
-          <p:cNvSpPr>
-            <a:spLocks noGrp="1"/>
-          </p:cNvSpPr>
-          <p:nvPr>
-            <p:ph type="body" sz="quarter" idx="26"/>
-          </p:nvPr>
-        </p:nvSpPr>
-        <p:spPr/>
-        <p:txBody>
-          <a:bodyPr/>
+            <a:pPr algn="ctr"/>
+            <a:r>
+              <a:rPr lang="de-DE" dirty="0"/>
+              <a:t>Beatriz Negreiros</a:t>
+            </a:r>
+          </a:p>
+          <a:p>
+            <a:pPr algn="ctr"/>
+            <a:r>
+              <a:rPr lang="de-DE" dirty="0"/>
+              <a:t>&amp;</a:t>
+            </a:r>
+          </a:p>
+          <a:p>
+            <a:pPr algn="ctr"/>
+            <a:r>
+              <a:rPr lang="de-DE" dirty="0"/>
+              <a:t>Federica Scolari</a:t>
+            </a:r>
+          </a:p>
+        </p:txBody>
+      </p:sp>
+      <p:sp>
+        <p:nvSpPr>
+          <p:cNvPr id="8" name="Textfeld 7">
+            <a:extLst>
+              <a:ext uri="{FF2B5EF4-FFF2-40B4-BE49-F238E27FC236}">
+                <a16:creationId xmlns:a16="http://schemas.microsoft.com/office/drawing/2014/main" id="{2D27060E-C61C-4E14-B4A8-65366227DAA7}"/>
+              </a:ext>
+            </a:extLst>
+          </p:cNvPr>
+          <p:cNvSpPr txBox="1"/>
+          <p:nvPr/>
+        </p:nvSpPr>
+        <p:spPr>
+          <a:xfrm>
+            <a:off x="253478" y="1361589"/>
+            <a:ext cx="3784414" cy="595869"/>
+          </a:xfrm>
+          <a:prstGeom prst="rect">
+            <a:avLst/>
+          </a:prstGeom>
+          <a:noFill/>
+        </p:spPr>
+        <p:txBody>
+          <a:bodyPr wrap="square" lIns="0" tIns="0" rIns="0" bIns="0" rtlCol="0">
+            <a:spAutoFit/>
+          </a:bodyPr>
           <a:lstStyle/>
           <a:p>
-            <a:endParaRPr lang="de-DE"/>
-          </a:p>
-        </p:txBody>
-      </p:sp>
-      <p:sp>
-        <p:nvSpPr>
-          <p:cNvPr id="31" name="Textplatzhalter 30">
-            <a:extLst>
-              <a:ext uri="{FF2B5EF4-FFF2-40B4-BE49-F238E27FC236}">
-                <a16:creationId xmlns:a16="http://schemas.microsoft.com/office/drawing/2014/main" id="{53DDB701-1509-4213-BB77-1FC4C71BB893}"/>
-              </a:ext>
-            </a:extLst>
-          </p:cNvPr>
-          <p:cNvSpPr>
-            <a:spLocks noGrp="1"/>
-          </p:cNvSpPr>
-          <p:nvPr>
-            <p:ph type="body" sz="quarter" idx="32"/>
-          </p:nvPr>
-        </p:nvSpPr>
-        <p:spPr>
-          <a:xfrm>
-            <a:off x="2174400" y="2803118"/>
-            <a:ext cx="1745931" cy="245786"/>
-          </a:xfrm>
-        </p:spPr>
-        <p:txBody>
-          <a:bodyPr/>
-          <a:lstStyle/>
-          <a:p>
-            <a:r>
-              <a:rPr lang="de-DE" dirty="0" err="1"/>
-              <a:t>phone</a:t>
-            </a:r>
-            <a:r>
-              <a:rPr lang="de-DE" dirty="0"/>
-              <a:t>	+49 (0) 711 685-</a:t>
-            </a:r>
-          </a:p>
-        </p:txBody>
-      </p:sp>
-      <p:sp>
-        <p:nvSpPr>
-          <p:cNvPr id="39" name="Textplatzhalter 38">
-            <a:extLst>
-              <a:ext uri="{FF2B5EF4-FFF2-40B4-BE49-F238E27FC236}">
-                <a16:creationId xmlns:a16="http://schemas.microsoft.com/office/drawing/2014/main" id="{5D654F0F-44FF-454D-A3C0-F0E4590B49CC}"/>
-              </a:ext>
-            </a:extLst>
-          </p:cNvPr>
-          <p:cNvSpPr>
-            <a:spLocks noGrp="1"/>
-          </p:cNvSpPr>
-          <p:nvPr>
-            <p:ph type="body" sz="quarter" idx="23"/>
-          </p:nvPr>
-        </p:nvSpPr>
-        <p:spPr/>
-        <p:txBody>
-          <a:bodyPr/>
-          <a:lstStyle/>
-          <a:p>
-            <a:endParaRPr lang="de-DE"/>
-          </a:p>
-        </p:txBody>
-      </p:sp>
-      <p:sp>
-        <p:nvSpPr>
-          <p:cNvPr id="44" name="Textplatzhalter 43">
-            <a:extLst>
-              <a:ext uri="{FF2B5EF4-FFF2-40B4-BE49-F238E27FC236}">
-                <a16:creationId xmlns:a16="http://schemas.microsoft.com/office/drawing/2014/main" id="{503EDE1D-EE06-46F1-A006-57A45B8E9809}"/>
-              </a:ext>
-            </a:extLst>
-          </p:cNvPr>
-          <p:cNvSpPr>
-            <a:spLocks noGrp="1"/>
-          </p:cNvSpPr>
-          <p:nvPr>
-            <p:ph type="body" sz="quarter" idx="33"/>
-          </p:nvPr>
-        </p:nvSpPr>
-        <p:spPr/>
-        <p:txBody>
-          <a:bodyPr/>
-          <a:lstStyle/>
-          <a:p>
-            <a:r>
-              <a:rPr lang="de-DE" dirty="0"/>
-              <a:t>www.</a:t>
-            </a:r>
-          </a:p>
-        </p:txBody>
-      </p:sp>
-      <p:sp>
-        <p:nvSpPr>
-          <p:cNvPr id="40" name="Textplatzhalter 39">
-            <a:extLst>
-              <a:ext uri="{FF2B5EF4-FFF2-40B4-BE49-F238E27FC236}">
-                <a16:creationId xmlns:a16="http://schemas.microsoft.com/office/drawing/2014/main" id="{DC28B389-AD00-44E4-BD44-848EBA9620C3}"/>
-              </a:ext>
-            </a:extLst>
-          </p:cNvPr>
-          <p:cNvSpPr>
-            <a:spLocks noGrp="1"/>
-          </p:cNvSpPr>
-          <p:nvPr>
-            <p:ph type="body" sz="quarter" idx="24"/>
-          </p:nvPr>
-        </p:nvSpPr>
-        <p:spPr/>
-        <p:txBody>
-          <a:bodyPr/>
-          <a:lstStyle/>
-          <a:p>
-            <a:endParaRPr lang="de-DE"/>
-          </a:p>
-        </p:txBody>
-      </p:sp>
-      <p:sp>
-        <p:nvSpPr>
-          <p:cNvPr id="45" name="Textplatzhalter 44">
-            <a:extLst>
-              <a:ext uri="{FF2B5EF4-FFF2-40B4-BE49-F238E27FC236}">
-                <a16:creationId xmlns:a16="http://schemas.microsoft.com/office/drawing/2014/main" id="{C82FCCF7-412D-4DA5-A302-2277811D9F6E}"/>
-              </a:ext>
-            </a:extLst>
-          </p:cNvPr>
-          <p:cNvSpPr>
-            <a:spLocks noGrp="1"/>
-          </p:cNvSpPr>
-          <p:nvPr>
-            <p:ph type="body" sz="quarter" idx="34"/>
-          </p:nvPr>
-        </p:nvSpPr>
-        <p:spPr/>
-        <p:txBody>
-          <a:bodyPr/>
-          <a:lstStyle/>
-          <a:p>
-            <a:r>
-              <a:rPr lang="de-DE" dirty="0"/>
-              <a:t>University </a:t>
-            </a:r>
-            <a:r>
-              <a:rPr lang="de-DE" dirty="0" err="1"/>
-              <a:t>of</a:t>
-            </a:r>
-            <a:r>
-              <a:rPr lang="de-DE" dirty="0"/>
-              <a:t> Stuttgart</a:t>
-            </a:r>
-          </a:p>
-        </p:txBody>
-      </p:sp>
-      <p:sp>
-        <p:nvSpPr>
-          <p:cNvPr id="41" name="Textplatzhalter 40">
-            <a:extLst>
-              <a:ext uri="{FF2B5EF4-FFF2-40B4-BE49-F238E27FC236}">
-                <a16:creationId xmlns:a16="http://schemas.microsoft.com/office/drawing/2014/main" id="{6C839454-C479-4727-A14E-8E8DF5F02050}"/>
-              </a:ext>
-            </a:extLst>
-          </p:cNvPr>
-          <p:cNvSpPr>
-            <a:spLocks noGrp="1"/>
-          </p:cNvSpPr>
-          <p:nvPr>
-            <p:ph type="body" sz="quarter" idx="25"/>
-          </p:nvPr>
-        </p:nvSpPr>
-        <p:spPr/>
-        <p:txBody>
-          <a:bodyPr/>
-          <a:lstStyle/>
-          <a:p>
-            <a:endParaRPr lang="de-DE"/>
-          </a:p>
-        </p:txBody>
-      </p:sp>
-      <p:sp>
-        <p:nvSpPr>
-          <p:cNvPr id="38" name="Textplatzhalter 37">
-            <a:extLst>
-              <a:ext uri="{FF2B5EF4-FFF2-40B4-BE49-F238E27FC236}">
-                <a16:creationId xmlns:a16="http://schemas.microsoft.com/office/drawing/2014/main" id="{6980B280-F66C-4E60-A3B6-3D5C7D1702E6}"/>
-              </a:ext>
-            </a:extLst>
-          </p:cNvPr>
-          <p:cNvSpPr>
-            <a:spLocks noGrp="1"/>
-          </p:cNvSpPr>
-          <p:nvPr>
-            <p:ph type="body" sz="quarter" idx="21"/>
-          </p:nvPr>
-        </p:nvSpPr>
-        <p:spPr/>
-        <p:txBody>
-          <a:bodyPr/>
-          <a:lstStyle/>
-          <a:p>
-            <a:endParaRPr lang="de-DE"/>
+            <a:pPr>
+              <a:lnSpc>
+                <a:spcPct val="120000"/>
+              </a:lnSpc>
+              <a:spcBef>
+                <a:spcPts val="750"/>
+              </a:spcBef>
+              <a:buClr>
+                <a:schemeClr val="accent1"/>
+              </a:buClr>
+            </a:pPr>
+            <a:r>
+              <a:rPr lang="en-US" sz="1400" dirty="0">
+                <a:solidFill>
+                  <a:schemeClr val="tx2"/>
+                </a:solidFill>
+              </a:rPr>
+              <a:t>Thank you for your attention!</a:t>
+            </a:r>
+          </a:p>
+          <a:p>
+            <a:pPr>
+              <a:lnSpc>
+                <a:spcPct val="120000"/>
+              </a:lnSpc>
+              <a:spcBef>
+                <a:spcPts val="750"/>
+              </a:spcBef>
+              <a:buClr>
+                <a:schemeClr val="accent1"/>
+              </a:buClr>
+            </a:pPr>
+            <a:endParaRPr lang="en-US" sz="1400" dirty="0">
+              <a:solidFill>
+                <a:schemeClr val="tx2"/>
+              </a:solidFill>
+            </a:endParaRPr>
           </a:p>
         </p:txBody>
       </p:sp>
     </p:spTree>
     <p:extLst>
       <p:ext uri="{BB962C8B-B14F-4D97-AF65-F5344CB8AC3E}">
-        <p14:creationId xmlns:p14="http://schemas.microsoft.com/office/powerpoint/2010/main" val="4085932275"/>
+        <p14:creationId xmlns:p14="http://schemas.microsoft.com/office/powerpoint/2010/main" val="4243367091"/>
       </p:ext>
     </p:extLst>
   </p:cSld>

--- a/First_Presentation.pptx
+++ b/First_Presentation.pptx
@@ -224,7 +224,7 @@
             <a:pPr algn="l"/>
             <a:fld id="{3F6768A6-6ABD-429A-BAA8-1D1981E897D4}" type="datetime1">
               <a:rPr lang="de-DE" sz="800" smtClean="0"/>
-              <a:t>08.01.2022</a:t>
+              <a:t>10.01.2022</a:t>
             </a:fld>
             <a:endParaRPr lang="en-US" sz="800"/>
           </a:p>
@@ -419,7 +419,7 @@
           <a:p>
             <a:fld id="{D5651D2F-FC43-40CC-8406-39BB74F7BB36}" type="datetime1">
               <a:rPr lang="de-DE" smtClean="0"/>
-              <a:t>08.01.2022</a:t>
+              <a:t>10.01.2022</a:t>
             </a:fld>
             <a:endParaRPr lang="en-US"/>
           </a:p>
@@ -1976,7 +1976,7 @@
           <a:p>
             <a:fld id="{736AD442-15FB-4905-97AC-55F6A383B24E}" type="datetime5">
               <a:rPr lang="en-US" smtClean="0"/>
-              <a:t>8-Jan-22</a:t>
+              <a:t>10-Jan-22</a:t>
             </a:fld>
             <a:endParaRPr lang="en-US" dirty="0"/>
           </a:p>
@@ -2283,7 +2283,7 @@
           <a:p>
             <a:fld id="{BFE82330-BA5A-49A1-AF4A-7AA7290F6DFB}" type="datetime5">
               <a:rPr lang="en-US" smtClean="0"/>
-              <a:t>8-Jan-22</a:t>
+              <a:t>10-Jan-22</a:t>
             </a:fld>
             <a:endParaRPr lang="en-US" dirty="0"/>
           </a:p>
@@ -2728,7 +2728,7 @@
           <a:p>
             <a:fld id="{885B77D0-30C7-4069-B299-91ED90F9B34D}" type="datetime5">
               <a:rPr lang="en-US" smtClean="0"/>
-              <a:t>8-Jan-22</a:t>
+              <a:t>10-Jan-22</a:t>
             </a:fld>
             <a:endParaRPr lang="en-US" dirty="0"/>
           </a:p>
@@ -3045,7 +3045,7 @@
           <a:p>
             <a:fld id="{76D631CC-0C82-4CE3-AAE8-3938C402EF82}" type="datetime5">
               <a:rPr lang="en-US" smtClean="0"/>
-              <a:t>8-Jan-22</a:t>
+              <a:t>10-Jan-22</a:t>
             </a:fld>
             <a:endParaRPr lang="en-US" dirty="0"/>
           </a:p>
@@ -3329,7 +3329,7 @@
           <a:p>
             <a:fld id="{67A66110-1C78-465A-8A85-8830CE6EBC79}" type="datetime5">
               <a:rPr lang="en-US" smtClean="0"/>
-              <a:t>8-Jan-22</a:t>
+              <a:t>10-Jan-22</a:t>
             </a:fld>
             <a:endParaRPr lang="en-US" dirty="0"/>
           </a:p>
@@ -4066,7 +4066,7 @@
           <a:p>
             <a:fld id="{28C5AE7A-9D13-4A9D-907E-C93274DB3E27}" type="datetime5">
               <a:rPr lang="en-US" smtClean="0"/>
-              <a:t>8-Jan-22</a:t>
+              <a:t>10-Jan-22</a:t>
             </a:fld>
             <a:endParaRPr lang="en-US" dirty="0"/>
           </a:p>
@@ -4540,7 +4540,7 @@
           <a:p>
             <a:fld id="{E183C394-EC38-418B-843D-E4A73E5C78E6}" type="datetime5">
               <a:rPr lang="en-US" smtClean="0"/>
-              <a:t>8-Jan-22</a:t>
+              <a:t>10-Jan-22</a:t>
             </a:fld>
             <a:endParaRPr lang="en-US" dirty="0"/>
           </a:p>
@@ -5199,7 +5199,7 @@
           <a:p>
             <a:fld id="{32159E4B-3697-4002-BD2B-7B51D6A09C81}" type="datetime5">
               <a:rPr lang="en-US" smtClean="0"/>
-              <a:t>8-Jan-22</a:t>
+              <a:t>10-Jan-22</a:t>
             </a:fld>
             <a:endParaRPr lang="en-US" dirty="0"/>
           </a:p>
@@ -6099,7 +6099,7 @@
           <a:p>
             <a:fld id="{6B848A89-66CC-4F10-9D6E-E51A0D891DA1}" type="datetime5">
               <a:rPr lang="en-US" smtClean="0"/>
-              <a:t>8-Jan-22</a:t>
+              <a:t>10-Jan-22</a:t>
             </a:fld>
             <a:endParaRPr lang="en-US" dirty="0"/>
           </a:p>
@@ -7578,7 +7578,7 @@
           <a:p>
             <a:fld id="{BB295D41-9FE4-429E-AE04-0F2C3E749395}" type="datetime5">
               <a:rPr lang="en-US" smtClean="0"/>
-              <a:t>8-Jan-22</a:t>
+              <a:t>10-Jan-22</a:t>
             </a:fld>
             <a:endParaRPr lang="en-US" dirty="0"/>
           </a:p>
@@ -7773,7 +7773,7 @@
           <a:p>
             <a:fld id="{124A495C-513D-4A97-AB23-9C75F3727C55}" type="datetime5">
               <a:rPr lang="en-US" smtClean="0"/>
-              <a:t>8-Jan-22</a:t>
+              <a:t>10-Jan-22</a:t>
             </a:fld>
             <a:endParaRPr lang="en-US" dirty="0"/>
           </a:p>
@@ -7900,7 +7900,7 @@
           <a:p>
             <a:fld id="{EDC928DE-1354-40A3-93A6-3F045E98DCC9}" type="datetime5">
               <a:rPr lang="en-US" smtClean="0"/>
-              <a:t>8-Jan-22</a:t>
+              <a:t>10-Jan-22</a:t>
             </a:fld>
             <a:endParaRPr lang="en-US" dirty="0"/>
           </a:p>
@@ -13850,7 +13850,7 @@
           <a:p>
             <a:fld id="{63D1545B-D1F9-4840-8FA0-7BB1D497F975}" type="datetime5">
               <a:rPr lang="en-US" smtClean="0"/>
-              <a:t>8-Jan-22</a:t>
+              <a:t>10-Jan-22</a:t>
             </a:fld>
             <a:endParaRPr lang="en-US" dirty="0"/>
           </a:p>
@@ -14101,7 +14101,7 @@
           <a:p>
             <a:fld id="{32E72736-9839-42A6-8FF4-CF98F5243ED4}" type="datetime5">
               <a:rPr lang="en-US" smtClean="0"/>
-              <a:t>8-Jan-22</a:t>
+              <a:t>10-Jan-22</a:t>
             </a:fld>
             <a:endParaRPr lang="en-US" dirty="0"/>
           </a:p>
@@ -15194,7 +15194,7 @@
           <a:p>
             <a:fld id="{64A1B1E0-2E28-4CEF-9EB2-919C146A4CC8}" type="datetime5">
               <a:rPr lang="en-US" smtClean="0"/>
-              <a:t>8-Jan-22</a:t>
+              <a:t>10-Jan-22</a:t>
             </a:fld>
             <a:endParaRPr lang="en-US" dirty="0"/>
           </a:p>
@@ -16012,7 +16012,7 @@
           <a:p>
             <a:fld id="{799317B9-84F4-427D-BCDD-E133F7DE284B}" type="datetime5">
               <a:rPr lang="en-US" smtClean="0"/>
-              <a:t>8-Jan-22</a:t>
+              <a:t>10-Jan-22</a:t>
             </a:fld>
             <a:endParaRPr lang="en-US" dirty="0"/>
           </a:p>
@@ -16272,7 +16272,7 @@
           <a:p>
             <a:fld id="{01782003-3657-454F-8BA6-A160EE756DC1}" type="datetime5">
               <a:rPr lang="en-US" smtClean="0"/>
-              <a:t>8-Jan-22</a:t>
+              <a:t>10-Jan-22</a:t>
             </a:fld>
             <a:endParaRPr lang="en-US" dirty="0"/>
           </a:p>
@@ -16818,7 +16818,7 @@
           <a:p>
             <a:fld id="{9C8C6499-8D93-4F05-803C-D72FF4C33BC8}" type="datetime5">
               <a:rPr lang="en-US" smtClean="0"/>
-              <a:t>8-Jan-22</a:t>
+              <a:t>10-Jan-22</a:t>
             </a:fld>
             <a:endParaRPr lang="en-US" dirty="0"/>
           </a:p>
@@ -17343,7 +17343,7 @@
           <a:p>
             <a:fld id="{63D1545B-D1F9-4840-8FA0-7BB1D497F975}" type="datetime5">
               <a:rPr lang="en-US" smtClean="0"/>
-              <a:t>8-Jan-22</a:t>
+              <a:t>10-Jan-22</a:t>
             </a:fld>
             <a:endParaRPr lang="en-US" dirty="0"/>
           </a:p>
@@ -18320,7 +18320,7 @@
             </a:pPr>
             <a:r>
               <a:rPr lang="en-US" sz="1600" dirty="0"/>
-              <a:t>Final check and correction</a:t>
+              <a:t>Final revision</a:t>
             </a:r>
           </a:p>
         </p:txBody>
@@ -18406,7 +18406,7 @@
           <a:p>
             <a:fld id="{9BF353F7-1752-4CAC-81B5-5B16F3045AC6}" type="datetime5">
               <a:rPr lang="en-US" smtClean="0"/>
-              <a:t>8-Jan-22</a:t>
+              <a:t>10-Jan-22</a:t>
             </a:fld>
             <a:endParaRPr lang="en-US" dirty="0"/>
           </a:p>
@@ -18486,9 +18486,9 @@
         <p:grpSpPr>
           <a:xfrm>
             <a:off x="720673" y="896988"/>
-            <a:ext cx="3321592" cy="1591023"/>
+            <a:ext cx="3336345" cy="1229355"/>
             <a:chOff x="856800" y="1140030"/>
-            <a:chExt cx="3321592" cy="1591023"/>
+            <a:chExt cx="3336345" cy="1229355"/>
           </a:xfrm>
         </p:grpSpPr>
         <p:grpSp>
@@ -18505,10 +18505,10 @@
           </p:nvGrpSpPr>
           <p:grpSpPr>
             <a:xfrm>
-              <a:off x="856800" y="1300524"/>
-              <a:ext cx="3321592" cy="1430529"/>
-              <a:chOff x="564776" y="1300525"/>
-              <a:chExt cx="3321592" cy="1430529"/>
+              <a:off x="856800" y="1300525"/>
+              <a:ext cx="3336345" cy="1068860"/>
+              <a:chOff x="564776" y="1300526"/>
+              <a:chExt cx="3336345" cy="1068860"/>
             </a:xfrm>
           </p:grpSpPr>
           <p:sp>
@@ -18525,7 +18525,7 @@
             </p:nvSpPr>
             <p:spPr>
               <a:xfrm>
-                <a:off x="696949" y="1682621"/>
+                <a:off x="711702" y="1461896"/>
                 <a:ext cx="3189419" cy="666336"/>
               </a:xfrm>
               <a:prstGeom prst="rect">
@@ -18601,8 +18601,8 @@
             </p:nvSpPr>
             <p:spPr>
               <a:xfrm>
-                <a:off x="564776" y="1300525"/>
-                <a:ext cx="3136222" cy="1430529"/>
+                <a:off x="564776" y="1300526"/>
+                <a:ext cx="3136222" cy="1068860"/>
               </a:xfrm>
               <a:prstGeom prst="roundRect">
                 <a:avLst/>
@@ -18701,10 +18701,10 @@
       </p:grpSp>
       <p:grpSp>
         <p:nvGrpSpPr>
-          <p:cNvPr id="29" name="Gruppieren 28">
-            <a:extLst>
-              <a:ext uri="{FF2B5EF4-FFF2-40B4-BE49-F238E27FC236}">
-                <a16:creationId xmlns:a16="http://schemas.microsoft.com/office/drawing/2014/main" id="{E1F12B70-EAA3-4573-A32C-E1475D849E53}"/>
+          <p:cNvPr id="30" name="Gruppieren 29">
+            <a:extLst>
+              <a:ext uri="{FF2B5EF4-FFF2-40B4-BE49-F238E27FC236}">
+                <a16:creationId xmlns:a16="http://schemas.microsoft.com/office/drawing/2014/main" id="{51A52200-C6E4-4652-AD40-F41C0AB30B17}"/>
               </a:ext>
             </a:extLst>
           </p:cNvPr>
@@ -18713,18 +18713,18 @@
         </p:nvGrpSpPr>
         <p:grpSpPr>
           <a:xfrm>
-            <a:off x="4713800" y="885968"/>
-            <a:ext cx="3775200" cy="1650568"/>
-            <a:chOff x="4458306" y="1113464"/>
-            <a:chExt cx="3775200" cy="1650568"/>
+            <a:off x="2649404" y="2389171"/>
+            <a:ext cx="3880822" cy="2331839"/>
+            <a:chOff x="891442" y="843431"/>
+            <a:chExt cx="3880822" cy="2331839"/>
           </a:xfrm>
         </p:grpSpPr>
         <p:grpSp>
           <p:nvGrpSpPr>
-            <p:cNvPr id="24" name="Gruppieren 23">
+            <p:cNvPr id="31" name="Gruppieren 30">
               <a:extLst>
                 <a:ext uri="{FF2B5EF4-FFF2-40B4-BE49-F238E27FC236}">
-                  <a16:creationId xmlns:a16="http://schemas.microsoft.com/office/drawing/2014/main" id="{BAE959DE-9A71-40E2-8404-4F83F0431F42}"/>
+                  <a16:creationId xmlns:a16="http://schemas.microsoft.com/office/drawing/2014/main" id="{7D5CC2D5-F924-4D76-B525-7CA3A781F100}"/>
                 </a:ext>
               </a:extLst>
             </p:cNvPr>
@@ -18733,18 +18733,18 @@
           </p:nvGrpSpPr>
           <p:grpSpPr>
             <a:xfrm>
-              <a:off x="4458306" y="1267292"/>
-              <a:ext cx="3775200" cy="1496740"/>
-              <a:chOff x="3329761" y="1267292"/>
-              <a:chExt cx="3775200" cy="1496740"/>
+              <a:off x="891442" y="1003925"/>
+              <a:ext cx="3880822" cy="2171345"/>
+              <a:chOff x="599418" y="1003926"/>
+              <a:chExt cx="3880822" cy="2171345"/>
             </a:xfrm>
           </p:grpSpPr>
           <p:sp>
             <p:nvSpPr>
-              <p:cNvPr id="18" name="Textfeld 17">
+              <p:cNvPr id="33" name="Textfeld 32">
                 <a:extLst>
                   <a:ext uri="{FF2B5EF4-FFF2-40B4-BE49-F238E27FC236}">
-                    <a16:creationId xmlns:a16="http://schemas.microsoft.com/office/drawing/2014/main" id="{C94CF99D-D521-4D5A-9BCF-3541B9BF3D5E}"/>
+                    <a16:creationId xmlns:a16="http://schemas.microsoft.com/office/drawing/2014/main" id="{9D915EE6-50A8-4EE4-9FF9-13E444770262}"/>
                   </a:ext>
                 </a:extLst>
               </p:cNvPr>
@@ -18753,10 +18753,10 @@
             </p:nvSpPr>
             <p:spPr>
               <a:xfrm>
-                <a:off x="3329761" y="1267292"/>
-                <a:ext cx="3775200" cy="1496740"/>
+                <a:off x="769188" y="1149530"/>
+                <a:ext cx="3189419" cy="1860509"/>
               </a:xfrm>
-              <a:prstGeom prst="ellipse">
+              <a:prstGeom prst="rect">
                 <a:avLst/>
               </a:prstGeom>
               <a:noFill/>
@@ -18778,45 +18778,7 @@
                     <a:spcPts val="750"/>
                   </a:spcBef>
                   <a:buClr>
-                    <a:srgbClr val="00B050"/>
-                  </a:buClr>
-                  <a:buFont typeface="Symbol" panose="05050102010706020507" pitchFamily="18" charset="2"/>
-                  <a:buChar char=""/>
-                </a:pPr>
-                <a:r>
-                  <a:rPr lang="en-US" sz="1600" dirty="0"/>
-                  <a:t>Static Plotter Class</a:t>
-                </a:r>
-              </a:p>
-              <a:p>
-                <a:pPr marL="285750" indent="-285750" algn="just">
-                  <a:lnSpc>
-                    <a:spcPct val="120000"/>
-                  </a:lnSpc>
-                  <a:spcBef>
-                    <a:spcPts val="750"/>
-                  </a:spcBef>
-                  <a:buClr>
-                    <a:srgbClr val="00B050"/>
-                  </a:buClr>
-                  <a:buFont typeface="Symbol" panose="05050102010706020507" pitchFamily="18" charset="2"/>
-                  <a:buChar char=""/>
-                </a:pPr>
-                <a:r>
-                  <a:rPr lang="en-US" sz="1600" dirty="0"/>
-                  <a:t>Interactive Plotter Class</a:t>
-                </a:r>
-              </a:p>
-              <a:p>
-                <a:pPr marL="285750" indent="-285750" algn="just">
-                  <a:lnSpc>
-                    <a:spcPct val="120000"/>
-                  </a:lnSpc>
-                  <a:spcBef>
-                    <a:spcPts val="750"/>
-                  </a:spcBef>
-                  <a:buClr>
-                    <a:srgbClr val="00B050"/>
+                    <a:srgbClr val="FF0000"/>
                   </a:buClr>
                   <a:buFont typeface="Symbol" panose="05050102010706020507" pitchFamily="18" charset="2"/>
                   <a:buChar char=""/>
@@ -18826,184 +18788,6 @@
                   <a:t>Main Script</a:t>
                 </a:r>
               </a:p>
-            </p:txBody>
-          </p:sp>
-          <p:sp>
-            <p:nvSpPr>
-              <p:cNvPr id="23" name="Rechteck: abgerundete Ecken 22">
-                <a:extLst>
-                  <a:ext uri="{FF2B5EF4-FFF2-40B4-BE49-F238E27FC236}">
-                    <a16:creationId xmlns:a16="http://schemas.microsoft.com/office/drawing/2014/main" id="{5862ADEB-C3A4-48C3-B513-A08FF77001BC}"/>
-                  </a:ext>
-                </a:extLst>
-              </p:cNvPr>
-              <p:cNvSpPr/>
-              <p:nvPr/>
-            </p:nvSpPr>
-            <p:spPr>
-              <a:xfrm>
-                <a:off x="3702944" y="1290617"/>
-                <a:ext cx="3136222" cy="1430529"/>
-              </a:xfrm>
-              <a:prstGeom prst="roundRect">
-                <a:avLst/>
-              </a:prstGeom>
-              <a:noFill/>
-              <a:ln>
-                <a:solidFill>
-                  <a:srgbClr val="00B050"/>
-                </a:solidFill>
-              </a:ln>
-            </p:spPr>
-            <p:style>
-              <a:lnRef idx="2">
-                <a:schemeClr val="accent1">
-                  <a:shade val="50000"/>
-                </a:schemeClr>
-              </a:lnRef>
-              <a:fillRef idx="1">
-                <a:schemeClr val="accent1"/>
-              </a:fillRef>
-              <a:effectRef idx="0">
-                <a:schemeClr val="accent1"/>
-              </a:effectRef>
-              <a:fontRef idx="minor">
-                <a:schemeClr val="lt1"/>
-              </a:fontRef>
-            </p:style>
-            <p:txBody>
-              <a:bodyPr rtlCol="0" anchor="ctr"/>
-              <a:lstStyle/>
-              <a:p>
-                <a:pPr algn="ctr"/>
-                <a:endParaRPr lang="en-US" sz="1600" dirty="0"/>
-              </a:p>
-            </p:txBody>
-          </p:sp>
-        </p:grpSp>
-        <p:sp>
-          <p:nvSpPr>
-            <p:cNvPr id="27" name="Textfeld 26">
-              <a:extLst>
-                <a:ext uri="{FF2B5EF4-FFF2-40B4-BE49-F238E27FC236}">
-                  <a16:creationId xmlns:a16="http://schemas.microsoft.com/office/drawing/2014/main" id="{A302C9AA-D8E7-4A3E-AFDF-C6F4BF8ACDFC}"/>
-                </a:ext>
-              </a:extLst>
-            </p:cNvPr>
-            <p:cNvSpPr txBox="1"/>
-            <p:nvPr/>
-          </p:nvSpPr>
-          <p:spPr>
-            <a:xfrm>
-              <a:off x="4915570" y="1113464"/>
-              <a:ext cx="837529" cy="268279"/>
-            </a:xfrm>
-            <a:prstGeom prst="rect">
-              <a:avLst/>
-            </a:prstGeom>
-            <a:solidFill>
-              <a:schemeClr val="bg1"/>
-            </a:solidFill>
-          </p:spPr>
-          <p:txBody>
-            <a:bodyPr wrap="square" lIns="0" tIns="0" rIns="0" bIns="0" rtlCol="0">
-              <a:spAutoFit/>
-            </a:bodyPr>
-            <a:lstStyle/>
-            <a:p>
-              <a:pPr algn="ctr">
-                <a:lnSpc>
-                  <a:spcPct val="120000"/>
-                </a:lnSpc>
-                <a:spcBef>
-                  <a:spcPts val="750"/>
-                </a:spcBef>
-                <a:buClr>
-                  <a:schemeClr val="accent1"/>
-                </a:buClr>
-              </a:pPr>
-              <a:r>
-                <a:rPr lang="en-US" sz="1600" dirty="0">
-                  <a:solidFill>
-                    <a:srgbClr val="00B050"/>
-                  </a:solidFill>
-                </a:rPr>
-                <a:t>Federica</a:t>
-              </a:r>
-            </a:p>
-          </p:txBody>
-        </p:sp>
-      </p:grpSp>
-      <p:grpSp>
-        <p:nvGrpSpPr>
-          <p:cNvPr id="30" name="Gruppieren 29">
-            <a:extLst>
-              <a:ext uri="{FF2B5EF4-FFF2-40B4-BE49-F238E27FC236}">
-                <a16:creationId xmlns:a16="http://schemas.microsoft.com/office/drawing/2014/main" id="{51A52200-C6E4-4652-AD40-F41C0AB30B17}"/>
-              </a:ext>
-            </a:extLst>
-          </p:cNvPr>
-          <p:cNvGrpSpPr/>
-          <p:nvPr/>
-        </p:nvGrpSpPr>
-        <p:grpSpPr>
-          <a:xfrm>
-            <a:off x="2614762" y="2685770"/>
-            <a:ext cx="3880822" cy="2074649"/>
-            <a:chOff x="856800" y="1140030"/>
-            <a:chExt cx="3880822" cy="2074649"/>
-          </a:xfrm>
-        </p:grpSpPr>
-        <p:grpSp>
-          <p:nvGrpSpPr>
-            <p:cNvPr id="31" name="Gruppieren 30">
-              <a:extLst>
-                <a:ext uri="{FF2B5EF4-FFF2-40B4-BE49-F238E27FC236}">
-                  <a16:creationId xmlns:a16="http://schemas.microsoft.com/office/drawing/2014/main" id="{7D5CC2D5-F924-4D76-B525-7CA3A781F100}"/>
-                </a:ext>
-              </a:extLst>
-            </p:cNvPr>
-            <p:cNvGrpSpPr/>
-            <p:nvPr/>
-          </p:nvGrpSpPr>
-          <p:grpSpPr>
-            <a:xfrm>
-              <a:off x="856800" y="1300524"/>
-              <a:ext cx="3880822" cy="1914155"/>
-              <a:chOff x="564776" y="1300525"/>
-              <a:chExt cx="3880822" cy="1914155"/>
-            </a:xfrm>
-          </p:grpSpPr>
-          <p:sp>
-            <p:nvSpPr>
-              <p:cNvPr id="33" name="Textfeld 32">
-                <a:extLst>
-                  <a:ext uri="{FF2B5EF4-FFF2-40B4-BE49-F238E27FC236}">
-                    <a16:creationId xmlns:a16="http://schemas.microsoft.com/office/drawing/2014/main" id="{9D915EE6-50A8-4EE4-9FF9-13E444770262}"/>
-                  </a:ext>
-                </a:extLst>
-              </p:cNvPr>
-              <p:cNvSpPr txBox="1"/>
-              <p:nvPr/>
-            </p:nvSpPr>
-            <p:spPr>
-              <a:xfrm>
-                <a:off x="769188" y="1574895"/>
-                <a:ext cx="3189419" cy="1462452"/>
-              </a:xfrm>
-              <a:prstGeom prst="rect">
-                <a:avLst/>
-              </a:prstGeom>
-              <a:noFill/>
-              <a:ln>
-                <a:noFill/>
-              </a:ln>
-            </p:spPr>
-            <p:txBody>
-              <a:bodyPr wrap="square" lIns="0" tIns="0" rIns="0" bIns="0" rtlCol="0">
-                <a:spAutoFit/>
-              </a:bodyPr>
-              <a:lstStyle/>
               <a:p>
                 <a:pPr marL="285750" indent="-285750" algn="just">
                   <a:lnSpc>
@@ -19077,7 +18861,7 @@
                 </a:pPr>
                 <a:r>
                   <a:rPr lang="en-US" sz="1600" dirty="0"/>
-                  <a:t>Class MainApplication (GUI)</a:t>
+                  <a:t>Final Revision</a:t>
                 </a:r>
               </a:p>
             </p:txBody>
@@ -19096,8 +18880,8 @@
             </p:nvSpPr>
             <p:spPr>
               <a:xfrm>
-                <a:off x="564776" y="1300525"/>
-                <a:ext cx="3880822" cy="1914155"/>
+                <a:off x="599418" y="1003926"/>
+                <a:ext cx="3880822" cy="2171345"/>
               </a:xfrm>
               <a:prstGeom prst="roundRect">
                 <a:avLst/>
@@ -19149,7 +18933,7 @@
           </p:nvSpPr>
           <p:spPr>
             <a:xfrm>
-              <a:off x="856800" y="1140030"/>
+              <a:off x="891442" y="843431"/>
               <a:ext cx="837529" cy="268279"/>
             </a:xfrm>
             <a:prstGeom prst="rect">
@@ -19183,6 +18967,201 @@
                   </a:solidFill>
                 </a:rPr>
                 <a:t>Together</a:t>
+              </a:r>
+            </a:p>
+          </p:txBody>
+        </p:sp>
+      </p:grpSp>
+      <p:grpSp>
+        <p:nvGrpSpPr>
+          <p:cNvPr id="5" name="Gruppieren 4">
+            <a:extLst>
+              <a:ext uri="{FF2B5EF4-FFF2-40B4-BE49-F238E27FC236}">
+                <a16:creationId xmlns:a16="http://schemas.microsoft.com/office/drawing/2014/main" id="{740D1E99-EA40-4FAD-A756-DD206C001496}"/>
+              </a:ext>
+            </a:extLst>
+          </p:cNvPr>
+          <p:cNvGrpSpPr/>
+          <p:nvPr/>
+        </p:nvGrpSpPr>
+        <p:grpSpPr>
+          <a:xfrm>
+            <a:off x="4713800" y="885968"/>
+            <a:ext cx="3775200" cy="1246013"/>
+            <a:chOff x="4713800" y="885968"/>
+            <a:chExt cx="3775200" cy="1246013"/>
+          </a:xfrm>
+        </p:grpSpPr>
+        <p:sp>
+          <p:nvSpPr>
+            <p:cNvPr id="18" name="Textfeld 17">
+              <a:extLst>
+                <a:ext uri="{FF2B5EF4-FFF2-40B4-BE49-F238E27FC236}">
+                  <a16:creationId xmlns:a16="http://schemas.microsoft.com/office/drawing/2014/main" id="{C94CF99D-D521-4D5A-9BCF-3541B9BF3D5E}"/>
+                </a:ext>
+              </a:extLst>
+            </p:cNvPr>
+            <p:cNvSpPr txBox="1"/>
+            <p:nvPr/>
+          </p:nvSpPr>
+          <p:spPr>
+            <a:xfrm>
+              <a:off x="4713800" y="1039796"/>
+              <a:ext cx="3775200" cy="936995"/>
+            </a:xfrm>
+            <a:prstGeom prst="ellipse">
+              <a:avLst/>
+            </a:prstGeom>
+            <a:noFill/>
+            <a:ln>
+              <a:noFill/>
+            </a:ln>
+          </p:spPr>
+          <p:txBody>
+            <a:bodyPr wrap="square" lIns="0" tIns="0" rIns="0" bIns="0" rtlCol="0">
+              <a:spAutoFit/>
+            </a:bodyPr>
+            <a:lstStyle/>
+            <a:p>
+              <a:pPr marL="285750" indent="-285750" algn="just">
+                <a:lnSpc>
+                  <a:spcPct val="120000"/>
+                </a:lnSpc>
+                <a:spcBef>
+                  <a:spcPts val="750"/>
+                </a:spcBef>
+                <a:buClr>
+                  <a:srgbClr val="00B050"/>
+                </a:buClr>
+                <a:buFont typeface="Symbol" panose="05050102010706020507" pitchFamily="18" charset="2"/>
+                <a:buChar char=""/>
+              </a:pPr>
+              <a:r>
+                <a:rPr lang="en-US" sz="1600" dirty="0"/>
+                <a:t>Static Plotter Class</a:t>
+              </a:r>
+            </a:p>
+            <a:p>
+              <a:pPr marL="285750" indent="-285750" algn="just">
+                <a:lnSpc>
+                  <a:spcPct val="120000"/>
+                </a:lnSpc>
+                <a:spcBef>
+                  <a:spcPts val="750"/>
+                </a:spcBef>
+                <a:buClr>
+                  <a:srgbClr val="00B050"/>
+                </a:buClr>
+                <a:buFont typeface="Symbol" panose="05050102010706020507" pitchFamily="18" charset="2"/>
+                <a:buChar char=""/>
+              </a:pPr>
+              <a:r>
+                <a:rPr lang="en-US" sz="1600" dirty="0"/>
+                <a:t>Interactive Plotter Class</a:t>
+              </a:r>
+            </a:p>
+          </p:txBody>
+        </p:sp>
+        <p:sp>
+          <p:nvSpPr>
+            <p:cNvPr id="21" name="Rechteck: abgerundete Ecken 20">
+              <a:extLst>
+                <a:ext uri="{FF2B5EF4-FFF2-40B4-BE49-F238E27FC236}">
+                  <a16:creationId xmlns:a16="http://schemas.microsoft.com/office/drawing/2014/main" id="{B4735D30-EDE8-49B1-904B-E51CE8598142}"/>
+                </a:ext>
+              </a:extLst>
+            </p:cNvPr>
+            <p:cNvSpPr/>
+            <p:nvPr/>
+          </p:nvSpPr>
+          <p:spPr>
+            <a:xfrm>
+              <a:off x="5086983" y="1063121"/>
+              <a:ext cx="3136222" cy="1068860"/>
+            </a:xfrm>
+            <a:prstGeom prst="roundRect">
+              <a:avLst/>
+            </a:prstGeom>
+            <a:noFill/>
+            <a:ln>
+              <a:solidFill>
+                <a:srgbClr val="00B050"/>
+              </a:solidFill>
+            </a:ln>
+          </p:spPr>
+          <p:style>
+            <a:lnRef idx="2">
+              <a:schemeClr val="accent1">
+                <a:shade val="50000"/>
+              </a:schemeClr>
+            </a:lnRef>
+            <a:fillRef idx="1">
+              <a:schemeClr val="accent1"/>
+            </a:fillRef>
+            <a:effectRef idx="0">
+              <a:schemeClr val="accent1"/>
+            </a:effectRef>
+            <a:fontRef idx="minor">
+              <a:schemeClr val="lt1"/>
+            </a:fontRef>
+          </p:style>
+          <p:txBody>
+            <a:bodyPr rtlCol="0" anchor="ctr"/>
+            <a:lstStyle/>
+            <a:p>
+              <a:pPr algn="ctr"/>
+              <a:endParaRPr lang="en-US" sz="1600" dirty="0"/>
+            </a:p>
+          </p:txBody>
+        </p:sp>
+        <p:sp>
+          <p:nvSpPr>
+            <p:cNvPr id="27" name="Textfeld 26">
+              <a:extLst>
+                <a:ext uri="{FF2B5EF4-FFF2-40B4-BE49-F238E27FC236}">
+                  <a16:creationId xmlns:a16="http://schemas.microsoft.com/office/drawing/2014/main" id="{A302C9AA-D8E7-4A3E-AFDF-C6F4BF8ACDFC}"/>
+                </a:ext>
+              </a:extLst>
+            </p:cNvPr>
+            <p:cNvSpPr txBox="1"/>
+            <p:nvPr/>
+          </p:nvSpPr>
+          <p:spPr>
+            <a:xfrm>
+              <a:off x="5171064" y="885968"/>
+              <a:ext cx="837529" cy="268279"/>
+            </a:xfrm>
+            <a:prstGeom prst="rect">
+              <a:avLst/>
+            </a:prstGeom>
+            <a:solidFill>
+              <a:schemeClr val="bg1"/>
+            </a:solidFill>
+          </p:spPr>
+          <p:txBody>
+            <a:bodyPr wrap="square" lIns="0" tIns="0" rIns="0" bIns="0" rtlCol="0">
+              <a:spAutoFit/>
+            </a:bodyPr>
+            <a:lstStyle/>
+            <a:p>
+              <a:pPr algn="ctr">
+                <a:lnSpc>
+                  <a:spcPct val="120000"/>
+                </a:lnSpc>
+                <a:spcBef>
+                  <a:spcPts val="750"/>
+                </a:spcBef>
+                <a:buClr>
+                  <a:schemeClr val="accent1"/>
+                </a:buClr>
+              </a:pPr>
+              <a:r>
+                <a:rPr lang="en-US" sz="1600" dirty="0">
+                  <a:solidFill>
+                    <a:srgbClr val="00B050"/>
+                  </a:solidFill>
+                </a:rPr>
+                <a:t>Federica</a:t>
               </a:r>
             </a:p>
           </p:txBody>

--- a/First_Presentation.pptx
+++ b/First_Presentation.pptx
@@ -224,7 +224,7 @@
             <a:pPr algn="l"/>
             <a:fld id="{3F6768A6-6ABD-429A-BAA8-1D1981E897D4}" type="datetime1">
               <a:rPr lang="de-DE" sz="800" smtClean="0"/>
-              <a:t>10.01.2022</a:t>
+              <a:t>11.01.2022</a:t>
             </a:fld>
             <a:endParaRPr lang="en-US" sz="800"/>
           </a:p>
@@ -419,7 +419,7 @@
           <a:p>
             <a:fld id="{D5651D2F-FC43-40CC-8406-39BB74F7BB36}" type="datetime1">
               <a:rPr lang="de-DE" smtClean="0"/>
-              <a:t>10.01.2022</a:t>
+              <a:t>11.01.2022</a:t>
             </a:fld>
             <a:endParaRPr lang="en-US"/>
           </a:p>
@@ -1976,7 +1976,7 @@
           <a:p>
             <a:fld id="{736AD442-15FB-4905-97AC-55F6A383B24E}" type="datetime5">
               <a:rPr lang="en-US" smtClean="0"/>
-              <a:t>10-Jan-22</a:t>
+              <a:t>11-Jan-22</a:t>
             </a:fld>
             <a:endParaRPr lang="en-US" dirty="0"/>
           </a:p>
@@ -2283,7 +2283,7 @@
           <a:p>
             <a:fld id="{BFE82330-BA5A-49A1-AF4A-7AA7290F6DFB}" type="datetime5">
               <a:rPr lang="en-US" smtClean="0"/>
-              <a:t>10-Jan-22</a:t>
+              <a:t>11-Jan-22</a:t>
             </a:fld>
             <a:endParaRPr lang="en-US" dirty="0"/>
           </a:p>
@@ -2728,7 +2728,7 @@
           <a:p>
             <a:fld id="{885B77D0-30C7-4069-B299-91ED90F9B34D}" type="datetime5">
               <a:rPr lang="en-US" smtClean="0"/>
-              <a:t>10-Jan-22</a:t>
+              <a:t>11-Jan-22</a:t>
             </a:fld>
             <a:endParaRPr lang="en-US" dirty="0"/>
           </a:p>
@@ -3045,7 +3045,7 @@
           <a:p>
             <a:fld id="{76D631CC-0C82-4CE3-AAE8-3938C402EF82}" type="datetime5">
               <a:rPr lang="en-US" smtClean="0"/>
-              <a:t>10-Jan-22</a:t>
+              <a:t>11-Jan-22</a:t>
             </a:fld>
             <a:endParaRPr lang="en-US" dirty="0"/>
           </a:p>
@@ -3329,7 +3329,7 @@
           <a:p>
             <a:fld id="{67A66110-1C78-465A-8A85-8830CE6EBC79}" type="datetime5">
               <a:rPr lang="en-US" smtClean="0"/>
-              <a:t>10-Jan-22</a:t>
+              <a:t>11-Jan-22</a:t>
             </a:fld>
             <a:endParaRPr lang="en-US" dirty="0"/>
           </a:p>
@@ -4066,7 +4066,7 @@
           <a:p>
             <a:fld id="{28C5AE7A-9D13-4A9D-907E-C93274DB3E27}" type="datetime5">
               <a:rPr lang="en-US" smtClean="0"/>
-              <a:t>10-Jan-22</a:t>
+              <a:t>11-Jan-22</a:t>
             </a:fld>
             <a:endParaRPr lang="en-US" dirty="0"/>
           </a:p>
@@ -4540,7 +4540,7 @@
           <a:p>
             <a:fld id="{E183C394-EC38-418B-843D-E4A73E5C78E6}" type="datetime5">
               <a:rPr lang="en-US" smtClean="0"/>
-              <a:t>10-Jan-22</a:t>
+              <a:t>11-Jan-22</a:t>
             </a:fld>
             <a:endParaRPr lang="en-US" dirty="0"/>
           </a:p>
@@ -5199,7 +5199,7 @@
           <a:p>
             <a:fld id="{32159E4B-3697-4002-BD2B-7B51D6A09C81}" type="datetime5">
               <a:rPr lang="en-US" smtClean="0"/>
-              <a:t>10-Jan-22</a:t>
+              <a:t>11-Jan-22</a:t>
             </a:fld>
             <a:endParaRPr lang="en-US" dirty="0"/>
           </a:p>
@@ -6099,7 +6099,7 @@
           <a:p>
             <a:fld id="{6B848A89-66CC-4F10-9D6E-E51A0D891DA1}" type="datetime5">
               <a:rPr lang="en-US" smtClean="0"/>
-              <a:t>10-Jan-22</a:t>
+              <a:t>11-Jan-22</a:t>
             </a:fld>
             <a:endParaRPr lang="en-US" dirty="0"/>
           </a:p>
@@ -7578,7 +7578,7 @@
           <a:p>
             <a:fld id="{BB295D41-9FE4-429E-AE04-0F2C3E749395}" type="datetime5">
               <a:rPr lang="en-US" smtClean="0"/>
-              <a:t>10-Jan-22</a:t>
+              <a:t>11-Jan-22</a:t>
             </a:fld>
             <a:endParaRPr lang="en-US" dirty="0"/>
           </a:p>
@@ -7773,7 +7773,7 @@
           <a:p>
             <a:fld id="{124A495C-513D-4A97-AB23-9C75F3727C55}" type="datetime5">
               <a:rPr lang="en-US" smtClean="0"/>
-              <a:t>10-Jan-22</a:t>
+              <a:t>11-Jan-22</a:t>
             </a:fld>
             <a:endParaRPr lang="en-US" dirty="0"/>
           </a:p>
@@ -7900,7 +7900,7 @@
           <a:p>
             <a:fld id="{EDC928DE-1354-40A3-93A6-3F045E98DCC9}" type="datetime5">
               <a:rPr lang="en-US" smtClean="0"/>
-              <a:t>10-Jan-22</a:t>
+              <a:t>11-Jan-22</a:t>
             </a:fld>
             <a:endParaRPr lang="en-US" dirty="0"/>
           </a:p>
@@ -13850,7 +13850,7 @@
           <a:p>
             <a:fld id="{63D1545B-D1F9-4840-8FA0-7BB1D497F975}" type="datetime5">
               <a:rPr lang="en-US" smtClean="0"/>
-              <a:t>10-Jan-22</a:t>
+              <a:t>11-Jan-22</a:t>
             </a:fld>
             <a:endParaRPr lang="en-US" dirty="0"/>
           </a:p>
@@ -14101,7 +14101,7 @@
           <a:p>
             <a:fld id="{32E72736-9839-42A6-8FF4-CF98F5243ED4}" type="datetime5">
               <a:rPr lang="en-US" smtClean="0"/>
-              <a:t>10-Jan-22</a:t>
+              <a:t>11-Jan-22</a:t>
             </a:fld>
             <a:endParaRPr lang="en-US" dirty="0"/>
           </a:p>
@@ -15194,7 +15194,7 @@
           <a:p>
             <a:fld id="{64A1B1E0-2E28-4CEF-9EB2-919C146A4CC8}" type="datetime5">
               <a:rPr lang="en-US" smtClean="0"/>
-              <a:t>10-Jan-22</a:t>
+              <a:t>11-Jan-22</a:t>
             </a:fld>
             <a:endParaRPr lang="en-US" dirty="0"/>
           </a:p>
@@ -16012,7 +16012,7 @@
           <a:p>
             <a:fld id="{799317B9-84F4-427D-BCDD-E133F7DE284B}" type="datetime5">
               <a:rPr lang="en-US" smtClean="0"/>
-              <a:t>10-Jan-22</a:t>
+              <a:t>11-Jan-22</a:t>
             </a:fld>
             <a:endParaRPr lang="en-US" dirty="0"/>
           </a:p>
@@ -16272,7 +16272,7 @@
           <a:p>
             <a:fld id="{01782003-3657-454F-8BA6-A160EE756DC1}" type="datetime5">
               <a:rPr lang="en-US" smtClean="0"/>
-              <a:t>10-Jan-22</a:t>
+              <a:t>11-Jan-22</a:t>
             </a:fld>
             <a:endParaRPr lang="en-US" dirty="0"/>
           </a:p>
@@ -16818,7 +16818,7 @@
           <a:p>
             <a:fld id="{9C8C6499-8D93-4F05-803C-D72FF4C33BC8}" type="datetime5">
               <a:rPr lang="en-US" smtClean="0"/>
-              <a:t>10-Jan-22</a:t>
+              <a:t>11-Jan-22</a:t>
             </a:fld>
             <a:endParaRPr lang="en-US" dirty="0"/>
           </a:p>
@@ -17343,7 +17343,7 @@
           <a:p>
             <a:fld id="{63D1545B-D1F9-4840-8FA0-7BB1D497F975}" type="datetime5">
               <a:rPr lang="en-US" smtClean="0"/>
-              <a:t>10-Jan-22</a:t>
+              <a:t>11-Jan-22</a:t>
             </a:fld>
             <a:endParaRPr lang="en-US" dirty="0"/>
           </a:p>
@@ -18406,7 +18406,7 @@
           <a:p>
             <a:fld id="{9BF353F7-1752-4CAC-81B5-5B16F3045AC6}" type="datetime5">
               <a:rPr lang="en-US" smtClean="0"/>
-              <a:t>10-Jan-22</a:t>
+              <a:t>11-Jan-22</a:t>
             </a:fld>
             <a:endParaRPr lang="en-US" dirty="0"/>
           </a:p>
@@ -18582,7 +18582,7 @@
                 </a:pPr>
                 <a:r>
                   <a:rPr lang="en-US" sz="1600" dirty="0"/>
-                  <a:t>Class MainApplication (GUI)</a:t>
+                  <a:t>MainApplication (GUI) Class</a:t>
                 </a:r>
               </a:p>
             </p:txBody>
